--- a/js.pptx
+++ b/js.pptx
@@ -5,36 +5,35 @@
     <p:sldMasterId id="2147483648" r:id="rId1"/>
   </p:sldMasterIdLst>
   <p:notesMasterIdLst>
-    <p:notesMasterId r:id="rId20"/>
+    <p:notesMasterId r:id="rId25"/>
   </p:notesMasterIdLst>
   <p:handoutMasterIdLst>
-    <p:handoutMasterId r:id="rId28"/>
+    <p:handoutMasterId r:id="rId26"/>
   </p:handoutMasterIdLst>
   <p:sldIdLst>
-    <p:sldId id="340" r:id="rId3"/>
-    <p:sldId id="341" r:id="rId4"/>
-    <p:sldId id="344" r:id="rId5"/>
-    <p:sldId id="347" r:id="rId6"/>
-    <p:sldId id="348" r:id="rId7"/>
-    <p:sldId id="357" r:id="rId8"/>
-    <p:sldId id="359" r:id="rId9"/>
-    <p:sldId id="360" r:id="rId10"/>
-    <p:sldId id="358" r:id="rId11"/>
-    <p:sldId id="356" r:id="rId12"/>
-    <p:sldId id="363" r:id="rId13"/>
-    <p:sldId id="364" r:id="rId14"/>
-    <p:sldId id="361" r:id="rId15"/>
-    <p:sldId id="365" r:id="rId16"/>
-    <p:sldId id="362" r:id="rId17"/>
-    <p:sldId id="349" r:id="rId18"/>
-    <p:sldId id="350" r:id="rId19"/>
-    <p:sldId id="351" r:id="rId21"/>
-    <p:sldId id="354" r:id="rId22"/>
-    <p:sldId id="352" r:id="rId23"/>
-    <p:sldId id="353" r:id="rId24"/>
-    <p:sldId id="367" r:id="rId25"/>
-    <p:sldId id="368" r:id="rId26"/>
-    <p:sldId id="376" r:id="rId27"/>
+    <p:sldId id="340" r:id="rId2"/>
+    <p:sldId id="341" r:id="rId3"/>
+    <p:sldId id="344" r:id="rId4"/>
+    <p:sldId id="347" r:id="rId5"/>
+    <p:sldId id="348" r:id="rId6"/>
+    <p:sldId id="357" r:id="rId7"/>
+    <p:sldId id="359" r:id="rId8"/>
+    <p:sldId id="360" r:id="rId9"/>
+    <p:sldId id="358" r:id="rId10"/>
+    <p:sldId id="356" r:id="rId11"/>
+    <p:sldId id="364" r:id="rId12"/>
+    <p:sldId id="361" r:id="rId13"/>
+    <p:sldId id="365" r:id="rId14"/>
+    <p:sldId id="362" r:id="rId15"/>
+    <p:sldId id="349" r:id="rId16"/>
+    <p:sldId id="350" r:id="rId17"/>
+    <p:sldId id="353" r:id="rId18"/>
+    <p:sldId id="367" r:id="rId19"/>
+    <p:sldId id="368" r:id="rId20"/>
+    <p:sldId id="376" r:id="rId21"/>
+    <p:sldId id="351" r:id="rId22"/>
+    <p:sldId id="354" r:id="rId23"/>
+    <p:sldId id="352" r:id="rId24"/>
   </p:sldIdLst>
   <p:sldSz cx="12192000" cy="6858000"/>
   <p:notesSz cx="6858000" cy="9144000"/>
@@ -133,6 +132,11 @@
       </a:defRPr>
     </a:lvl9pPr>
   </p:defaultTextStyle>
+  <p:extLst>
+    <p:ext uri="{EFAFB233-063F-42B5-8137-9DF3F51BA10A}">
+      <p15:sldGuideLst xmlns:p15="http://schemas.microsoft.com/office/powerpoint/2012/main"/>
+    </p:ext>
+  </p:extLst>
 </p:presentation>
 </file>
 
@@ -218,6 +222,7 @@
           <a:p>
             <a:fld id="{696C064A-D61B-4B21-B757-51A9B82445B8}" type="datetimeFigureOut">
               <a:rPr lang="en-US" smtClean="0"/>
+              <a:t>2/14/2025</a:t>
             </a:fld>
             <a:endParaRPr lang="en-US"/>
           </a:p>
@@ -283,6 +288,7 @@
           <a:p>
             <a:fld id="{50305E07-67EA-4042-A3F6-853A8AD8D209}" type="slidenum">
               <a:rPr lang="en-US" smtClean="0"/>
+              <a:t>‹#›</a:t>
             </a:fld>
             <a:endParaRPr lang="en-US"/>
           </a:p>
@@ -376,6 +382,7 @@
           <a:p>
             <a:fld id="{3EFD42F7-718C-4B98-AAEC-167E6DDD60A7}" type="datetimeFigureOut">
               <a:rPr lang="en-US" smtClean="0"/>
+              <a:t>2/14/2025</a:t>
             </a:fld>
             <a:endParaRPr lang="en-US"/>
           </a:p>
@@ -442,7 +449,6 @@
               <a:rPr lang="en-US"/>
               <a:t>Click to edit Master text styles</a:t>
             </a:r>
-            <a:endParaRPr lang="en-US"/>
           </a:p>
           <a:p>
             <a:pPr lvl="1"/>
@@ -450,7 +456,6 @@
               <a:rPr lang="en-US"/>
               <a:t>Second level</a:t>
             </a:r>
-            <a:endParaRPr lang="en-US"/>
           </a:p>
           <a:p>
             <a:pPr lvl="2"/>
@@ -458,7 +463,6 @@
               <a:rPr lang="en-US"/>
               <a:t>Third level</a:t>
             </a:r>
-            <a:endParaRPr lang="en-US"/>
           </a:p>
           <a:p>
             <a:pPr lvl="3"/>
@@ -466,7 +470,6 @@
               <a:rPr lang="en-US"/>
               <a:t>Fourth level</a:t>
             </a:r>
-            <a:endParaRPr lang="en-US"/>
           </a:p>
           <a:p>
             <a:pPr lvl="4"/>
@@ -474,7 +477,6 @@
               <a:rPr lang="en-US"/>
               <a:t>Fifth level</a:t>
             </a:r>
-            <a:endParaRPr lang="en-US"/>
           </a:p>
         </p:txBody>
       </p:sp>
@@ -538,6 +540,7 @@
           <a:p>
             <a:fld id="{21B2AA4F-B828-4D7C-AFD3-893933DAFCB4}" type="slidenum">
               <a:rPr lang="en-US" smtClean="0"/>
+              <a:t>‹#›</a:t>
             </a:fld>
             <a:endParaRPr lang="en-US"/>
           </a:p>
@@ -762,6 +765,7 @@
           <a:p>
             <a:fld id="{21B2AA4F-B828-4D7C-AFD3-893933DAFCB4}" type="slidenum">
               <a:rPr lang="en-US" smtClean="0"/>
+              <a:t>17</a:t>
             </a:fld>
             <a:endParaRPr lang="en-US"/>
           </a:p>
@@ -776,7 +780,7 @@
 </file>
 
 <file path=ppt/slideLayouts/slideLayout1.xml><?xml version="1.0" encoding="utf-8"?>
-<p:sldLayout xmlns:a="http://schemas.openxmlformats.org/drawingml/2006/main" xmlns:r="http://schemas.openxmlformats.org/officeDocument/2006/relationships" xmlns:p="http://schemas.openxmlformats.org/presentationml/2006/main" type="title" preserve="1" showMasterSp="0">
+<p:sldLayout xmlns:a="http://schemas.openxmlformats.org/drawingml/2006/main" xmlns:r="http://schemas.openxmlformats.org/officeDocument/2006/relationships" xmlns:p="http://schemas.openxmlformats.org/presentationml/2006/main" showMasterSp="0" type="title" preserve="1">
   <p:cSld name="Title Slide">
     <p:spTree>
       <p:nvGrpSpPr>
@@ -1110,6 +1114,7 @@
           <a:p>
             <a:fld id="{B61BEF0D-F0BB-DE4B-95CE-6DB70DBA9567}" type="datetimeFigureOut">
               <a:rPr lang="en-US" dirty="0"/>
+              <a:t>2/14/2025</a:t>
             </a:fld>
             <a:endParaRPr lang="en-US" dirty="0"/>
           </a:p>
@@ -1161,6 +1166,7 @@
           <a:p>
             <a:fld id="{D57F1E4F-1CFF-5643-939E-217C01CDF565}" type="slidenum">
               <a:rPr lang="en-US" dirty="0"/>
+              <a:t>‹#›</a:t>
             </a:fld>
             <a:endParaRPr lang="en-US" dirty="0"/>
           </a:p>
@@ -1407,7 +1413,6 @@
               <a:rPr lang="en-US"/>
               <a:t>Edit Master text styles</a:t>
             </a:r>
-            <a:endParaRPr lang="en-US"/>
           </a:p>
         </p:txBody>
       </p:sp>
@@ -1428,6 +1433,7 @@
           <a:p>
             <a:fld id="{B61BEF0D-F0BB-DE4B-95CE-6DB70DBA9567}" type="datetimeFigureOut">
               <a:rPr lang="en-US" dirty="0"/>
+              <a:t>2/14/2025</a:t>
             </a:fld>
             <a:endParaRPr lang="en-US" dirty="0"/>
           </a:p>
@@ -1469,6 +1475,7 @@
           <a:p>
             <a:fld id="{D57F1E4F-1CFF-5643-939E-217C01CDF565}" type="slidenum">
               <a:rPr lang="en-US" dirty="0"/>
+              <a:t>‹#›</a:t>
             </a:fld>
             <a:endParaRPr lang="en-US" dirty="0"/>
           </a:p>
@@ -1649,7 +1656,6 @@
               <a:rPr lang="en-US"/>
               <a:t>Edit Master text styles</a:t>
             </a:r>
-            <a:endParaRPr lang="en-US"/>
           </a:p>
         </p:txBody>
       </p:sp>
@@ -1670,6 +1676,7 @@
           <a:p>
             <a:fld id="{B61BEF0D-F0BB-DE4B-95CE-6DB70DBA9567}" type="datetimeFigureOut">
               <a:rPr lang="en-US" dirty="0"/>
+              <a:t>2/14/2025</a:t>
             </a:fld>
             <a:endParaRPr lang="en-US" dirty="0"/>
           </a:p>
@@ -1711,6 +1718,7 @@
           <a:p>
             <a:fld id="{D57F1E4F-1CFF-5643-939E-217C01CDF565}" type="slidenum">
               <a:rPr lang="en-US" dirty="0"/>
+              <a:t>‹#›</a:t>
             </a:fld>
             <a:endParaRPr lang="en-US" dirty="0"/>
           </a:p>
@@ -1863,7 +1871,6 @@
               <a:rPr lang="en-US"/>
               <a:t>Edit Master text styles</a:t>
             </a:r>
-            <a:endParaRPr lang="en-US"/>
           </a:p>
         </p:txBody>
       </p:sp>
@@ -1983,7 +1990,6 @@
               <a:rPr lang="en-US"/>
               <a:t>Edit Master text styles</a:t>
             </a:r>
-            <a:endParaRPr lang="en-US"/>
           </a:p>
         </p:txBody>
       </p:sp>
@@ -2004,6 +2010,7 @@
           <a:p>
             <a:fld id="{B61BEF0D-F0BB-DE4B-95CE-6DB70DBA9567}" type="datetimeFigureOut">
               <a:rPr lang="en-US" dirty="0"/>
+              <a:t>2/14/2025</a:t>
             </a:fld>
             <a:endParaRPr lang="en-US" dirty="0"/>
           </a:p>
@@ -2045,6 +2052,7 @@
           <a:p>
             <a:fld id="{D57F1E4F-1CFF-5643-939E-217C01CDF565}" type="slidenum">
               <a:rPr lang="en-US" dirty="0"/>
+              <a:t>‹#›</a:t>
             </a:fld>
             <a:endParaRPr lang="en-US" dirty="0"/>
           </a:p>
@@ -2081,12 +2089,6 @@
               </a:rPr>
               <a:t>“</a:t>
             </a:r>
-            <a:endParaRPr lang="en-US" sz="8000" dirty="0">
-              <a:solidFill>
-                <a:schemeClr val="tx1"/>
-              </a:solidFill>
-              <a:effectLst/>
-            </a:endParaRPr>
           </a:p>
         </p:txBody>
       </p:sp>
@@ -2121,12 +2123,6 @@
               </a:rPr>
               <a:t>”</a:t>
             </a:r>
-            <a:endParaRPr lang="en-US" sz="8000" dirty="0">
-              <a:solidFill>
-                <a:schemeClr val="tx1"/>
-              </a:solidFill>
-              <a:effectLst/>
-            </a:endParaRPr>
           </a:p>
         </p:txBody>
       </p:sp>
@@ -2336,7 +2332,6 @@
               <a:rPr lang="en-US"/>
               <a:t>Edit Master text styles</a:t>
             </a:r>
-            <a:endParaRPr lang="en-US"/>
           </a:p>
         </p:txBody>
       </p:sp>
@@ -2357,6 +2352,7 @@
           <a:p>
             <a:fld id="{B61BEF0D-F0BB-DE4B-95CE-6DB70DBA9567}" type="datetimeFigureOut">
               <a:rPr lang="en-US" dirty="0"/>
+              <a:t>2/14/2025</a:t>
             </a:fld>
             <a:endParaRPr lang="en-US" dirty="0"/>
           </a:p>
@@ -2398,6 +2394,7 @@
           <a:p>
             <a:fld id="{D57F1E4F-1CFF-5643-939E-217C01CDF565}" type="slidenum">
               <a:rPr lang="en-US" dirty="0"/>
+              <a:t>‹#›</a:t>
             </a:fld>
             <a:endParaRPr lang="en-US" dirty="0"/>
           </a:p>
@@ -2585,7 +2582,6 @@
               <a:rPr lang="en-US"/>
               <a:t>Edit Master text styles</a:t>
             </a:r>
-            <a:endParaRPr lang="en-US"/>
           </a:p>
         </p:txBody>
       </p:sp>
@@ -2705,7 +2701,6 @@
               <a:rPr lang="en-US"/>
               <a:t>Edit Master text styles</a:t>
             </a:r>
-            <a:endParaRPr lang="en-US"/>
           </a:p>
         </p:txBody>
       </p:sp>
@@ -2726,6 +2721,7 @@
           <a:p>
             <a:fld id="{B61BEF0D-F0BB-DE4B-95CE-6DB70DBA9567}" type="datetimeFigureOut">
               <a:rPr lang="en-US" dirty="0"/>
+              <a:t>2/14/2025</a:t>
             </a:fld>
             <a:endParaRPr lang="en-US" dirty="0"/>
           </a:p>
@@ -2767,6 +2763,7 @@
           <a:p>
             <a:fld id="{D57F1E4F-1CFF-5643-939E-217C01CDF565}" type="slidenum">
               <a:rPr lang="en-US" dirty="0"/>
+              <a:t>‹#›</a:t>
             </a:fld>
             <a:endParaRPr lang="en-US" dirty="0"/>
           </a:p>
@@ -2803,12 +2800,6 @@
               </a:rPr>
               <a:t>“</a:t>
             </a:r>
-            <a:endParaRPr lang="en-US" sz="8000" dirty="0">
-              <a:solidFill>
-                <a:schemeClr val="tx1"/>
-              </a:solidFill>
-              <a:effectLst/>
-            </a:endParaRPr>
           </a:p>
         </p:txBody>
       </p:sp>
@@ -2843,12 +2834,6 @@
               </a:rPr>
               <a:t>”</a:t>
             </a:r>
-            <a:endParaRPr lang="en-US" sz="8000" dirty="0">
-              <a:solidFill>
-                <a:schemeClr val="tx1"/>
-              </a:solidFill>
-              <a:effectLst/>
-            </a:endParaRPr>
           </a:p>
         </p:txBody>
       </p:sp>
@@ -3062,7 +3047,6 @@
               <a:rPr lang="en-US"/>
               <a:t>Edit Master text styles</a:t>
             </a:r>
-            <a:endParaRPr lang="en-US"/>
           </a:p>
         </p:txBody>
       </p:sp>
@@ -3182,7 +3166,6 @@
               <a:rPr lang="en-US"/>
               <a:t>Edit Master text styles</a:t>
             </a:r>
-            <a:endParaRPr lang="en-US"/>
           </a:p>
         </p:txBody>
       </p:sp>
@@ -3203,6 +3186,7 @@
           <a:p>
             <a:fld id="{B61BEF0D-F0BB-DE4B-95CE-6DB70DBA9567}" type="datetimeFigureOut">
               <a:rPr lang="en-US" dirty="0"/>
+              <a:t>2/14/2025</a:t>
             </a:fld>
             <a:endParaRPr lang="en-US" dirty="0"/>
           </a:p>
@@ -3244,6 +3228,7 @@
           <a:p>
             <a:fld id="{D57F1E4F-1CFF-5643-939E-217C01CDF565}" type="slidenum">
               <a:rPr lang="en-US" dirty="0"/>
+              <a:t>‹#›</a:t>
             </a:fld>
             <a:endParaRPr lang="en-US" dirty="0"/>
           </a:p>
@@ -3352,7 +3337,6 @@
               <a:rPr lang="en-US"/>
               <a:t>Edit Master text styles</a:t>
             </a:r>
-            <a:endParaRPr lang="en-US"/>
           </a:p>
           <a:p>
             <a:pPr lvl="1"/>
@@ -3360,7 +3344,6 @@
               <a:rPr lang="en-US"/>
               <a:t>Second level</a:t>
             </a:r>
-            <a:endParaRPr lang="en-US"/>
           </a:p>
           <a:p>
             <a:pPr lvl="2"/>
@@ -3368,7 +3351,6 @@
               <a:rPr lang="en-US"/>
               <a:t>Third level</a:t>
             </a:r>
-            <a:endParaRPr lang="en-US"/>
           </a:p>
           <a:p>
             <a:pPr lvl="3"/>
@@ -3376,7 +3358,6 @@
               <a:rPr lang="en-US"/>
               <a:t>Fourth level</a:t>
             </a:r>
-            <a:endParaRPr lang="en-US"/>
           </a:p>
           <a:p>
             <a:pPr lvl="4"/>
@@ -3405,6 +3386,7 @@
           <a:p>
             <a:fld id="{B61BEF0D-F0BB-DE4B-95CE-6DB70DBA9567}" type="datetimeFigureOut">
               <a:rPr lang="en-US" dirty="0"/>
+              <a:t>2/14/2025</a:t>
             </a:fld>
             <a:endParaRPr lang="en-US" dirty="0"/>
           </a:p>
@@ -3446,6 +3428,7 @@
           <a:p>
             <a:fld id="{D57F1E4F-1CFF-5643-939E-217C01CDF565}" type="slidenum">
               <a:rPr lang="en-US" dirty="0"/>
+              <a:t>‹#›</a:t>
             </a:fld>
             <a:endParaRPr lang="en-US" dirty="0"/>
           </a:p>
@@ -3560,7 +3543,6 @@
               <a:rPr lang="en-US"/>
               <a:t>Edit Master text styles</a:t>
             </a:r>
-            <a:endParaRPr lang="en-US"/>
           </a:p>
           <a:p>
             <a:pPr lvl="1"/>
@@ -3568,7 +3550,6 @@
               <a:rPr lang="en-US"/>
               <a:t>Second level</a:t>
             </a:r>
-            <a:endParaRPr lang="en-US"/>
           </a:p>
           <a:p>
             <a:pPr lvl="2"/>
@@ -3576,7 +3557,6 @@
               <a:rPr lang="en-US"/>
               <a:t>Third level</a:t>
             </a:r>
-            <a:endParaRPr lang="en-US"/>
           </a:p>
           <a:p>
             <a:pPr lvl="3"/>
@@ -3584,7 +3564,6 @@
               <a:rPr lang="en-US"/>
               <a:t>Fourth level</a:t>
             </a:r>
-            <a:endParaRPr lang="en-US"/>
           </a:p>
           <a:p>
             <a:pPr lvl="4"/>
@@ -3613,6 +3592,7 @@
           <a:p>
             <a:fld id="{B61BEF0D-F0BB-DE4B-95CE-6DB70DBA9567}" type="datetimeFigureOut">
               <a:rPr lang="en-US" dirty="0"/>
+              <a:t>2/14/2025</a:t>
             </a:fld>
             <a:endParaRPr lang="en-US" dirty="0"/>
           </a:p>
@@ -3654,6 +3634,7 @@
           <a:p>
             <a:fld id="{D57F1E4F-1CFF-5643-939E-217C01CDF565}" type="slidenum">
               <a:rPr lang="en-US" dirty="0"/>
+              <a:t>‹#›</a:t>
             </a:fld>
             <a:endParaRPr lang="en-US" dirty="0"/>
           </a:p>
@@ -3789,7 +3770,6 @@
               <a:rPr lang="en-US"/>
               <a:t>Edit Master text styles</a:t>
             </a:r>
-            <a:endParaRPr lang="en-US"/>
           </a:p>
           <a:p>
             <a:pPr lvl="1"/>
@@ -3797,7 +3777,6 @@
               <a:rPr lang="en-US"/>
               <a:t>Second level</a:t>
             </a:r>
-            <a:endParaRPr lang="en-US"/>
           </a:p>
           <a:p>
             <a:pPr lvl="2"/>
@@ -3805,7 +3784,6 @@
               <a:rPr lang="en-US"/>
               <a:t>Third level</a:t>
             </a:r>
-            <a:endParaRPr lang="en-US"/>
           </a:p>
           <a:p>
             <a:pPr lvl="3"/>
@@ -3813,7 +3791,6 @@
               <a:rPr lang="en-US"/>
               <a:t>Fourth level</a:t>
             </a:r>
-            <a:endParaRPr lang="en-US"/>
           </a:p>
           <a:p>
             <a:pPr lvl="4"/>
@@ -3842,6 +3819,7 @@
           <a:p>
             <a:fld id="{52647F38-B617-4D2F-AE0A-013F0C4D2C57}" type="datetimeFigureOut">
               <a:rPr lang="en-US" dirty="0"/>
+              <a:t>2/14/2025</a:t>
             </a:fld>
             <a:endParaRPr lang="en-US" dirty="0"/>
           </a:p>
@@ -3883,6 +3861,7 @@
           <a:p>
             <a:fld id="{E97799C9-84D9-46D2-A11E-BCF8A720529D}" type="slidenum">
               <a:rPr lang="en-US" dirty="0"/>
+              <a:t>‹#›</a:t>
             </a:fld>
             <a:endParaRPr lang="en-US" dirty="0"/>
           </a:p>
@@ -4063,7 +4042,6 @@
               <a:rPr lang="en-US"/>
               <a:t>Edit Master text styles</a:t>
             </a:r>
-            <a:endParaRPr lang="en-US"/>
           </a:p>
         </p:txBody>
       </p:sp>
@@ -4084,6 +4062,7 @@
           <a:p>
             <a:fld id="{B61BEF0D-F0BB-DE4B-95CE-6DB70DBA9567}" type="datetimeFigureOut">
               <a:rPr lang="en-US" dirty="0"/>
+              <a:t>2/14/2025</a:t>
             </a:fld>
             <a:endParaRPr lang="en-US" dirty="0"/>
           </a:p>
@@ -4125,6 +4104,7 @@
           <a:p>
             <a:fld id="{D57F1E4F-1CFF-5643-939E-217C01CDF565}" type="slidenum">
               <a:rPr lang="en-US" dirty="0"/>
+              <a:t>‹#›</a:t>
             </a:fld>
             <a:endParaRPr lang="en-US" dirty="0"/>
           </a:p>
@@ -4267,7 +4247,6 @@
               <a:rPr lang="en-US"/>
               <a:t>Edit Master text styles</a:t>
             </a:r>
-            <a:endParaRPr lang="en-US"/>
           </a:p>
           <a:p>
             <a:pPr lvl="1"/>
@@ -4275,7 +4254,6 @@
               <a:rPr lang="en-US"/>
               <a:t>Second level</a:t>
             </a:r>
-            <a:endParaRPr lang="en-US"/>
           </a:p>
           <a:p>
             <a:pPr lvl="2"/>
@@ -4283,7 +4261,6 @@
               <a:rPr lang="en-US"/>
               <a:t>Third level</a:t>
             </a:r>
-            <a:endParaRPr lang="en-US"/>
           </a:p>
           <a:p>
             <a:pPr lvl="3"/>
@@ -4291,7 +4268,6 @@
               <a:rPr lang="en-US"/>
               <a:t>Fourth level</a:t>
             </a:r>
-            <a:endParaRPr lang="en-US"/>
           </a:p>
           <a:p>
             <a:pPr lvl="4"/>
@@ -4330,7 +4306,6 @@
               <a:rPr lang="en-US"/>
               <a:t>Edit Master text styles</a:t>
             </a:r>
-            <a:endParaRPr lang="en-US"/>
           </a:p>
           <a:p>
             <a:pPr lvl="1"/>
@@ -4338,7 +4313,6 @@
               <a:rPr lang="en-US"/>
               <a:t>Second level</a:t>
             </a:r>
-            <a:endParaRPr lang="en-US"/>
           </a:p>
           <a:p>
             <a:pPr lvl="2"/>
@@ -4346,7 +4320,6 @@
               <a:rPr lang="en-US"/>
               <a:t>Third level</a:t>
             </a:r>
-            <a:endParaRPr lang="en-US"/>
           </a:p>
           <a:p>
             <a:pPr lvl="3"/>
@@ -4354,7 +4327,6 @@
               <a:rPr lang="en-US"/>
               <a:t>Fourth level</a:t>
             </a:r>
-            <a:endParaRPr lang="en-US"/>
           </a:p>
           <a:p>
             <a:pPr lvl="4"/>
@@ -4383,6 +4355,7 @@
           <a:p>
             <a:fld id="{05BFA754-D5C3-4E66-96A6-867B257F58DC}" type="datetimeFigureOut">
               <a:rPr lang="en-US" dirty="0"/>
+              <a:t>2/14/2025</a:t>
             </a:fld>
             <a:endParaRPr lang="en-US" dirty="0"/>
           </a:p>
@@ -4424,6 +4397,7 @@
           <a:p>
             <a:fld id="{5D84065D-F351-4B03-BD91-D8A6B8D4B362}" type="slidenum">
               <a:rPr lang="en-US" dirty="0"/>
+              <a:t>‹#›</a:t>
             </a:fld>
             <a:endParaRPr lang="en-US" dirty="0"/>
           </a:p>
@@ -4555,7 +4529,6 @@
               <a:rPr lang="en-US"/>
               <a:t>Edit Master text styles</a:t>
             </a:r>
-            <a:endParaRPr lang="en-US"/>
           </a:p>
         </p:txBody>
       </p:sp>
@@ -4586,7 +4559,6 @@
               <a:rPr lang="en-US"/>
               <a:t>Edit Master text styles</a:t>
             </a:r>
-            <a:endParaRPr lang="en-US"/>
           </a:p>
           <a:p>
             <a:pPr lvl="1"/>
@@ -4594,7 +4566,6 @@
               <a:rPr lang="en-US"/>
               <a:t>Second level</a:t>
             </a:r>
-            <a:endParaRPr lang="en-US"/>
           </a:p>
           <a:p>
             <a:pPr lvl="2"/>
@@ -4602,7 +4573,6 @@
               <a:rPr lang="en-US"/>
               <a:t>Third level</a:t>
             </a:r>
-            <a:endParaRPr lang="en-US"/>
           </a:p>
           <a:p>
             <a:pPr lvl="3"/>
@@ -4610,7 +4580,6 @@
               <a:rPr lang="en-US"/>
               <a:t>Fourth level</a:t>
             </a:r>
-            <a:endParaRPr lang="en-US"/>
           </a:p>
           <a:p>
             <a:pPr lvl="4"/>
@@ -4696,7 +4665,6 @@
               <a:rPr lang="en-US"/>
               <a:t>Edit Master text styles</a:t>
             </a:r>
-            <a:endParaRPr lang="en-US"/>
           </a:p>
         </p:txBody>
       </p:sp>
@@ -4727,7 +4695,6 @@
               <a:rPr lang="en-US"/>
               <a:t>Edit Master text styles</a:t>
             </a:r>
-            <a:endParaRPr lang="en-US"/>
           </a:p>
           <a:p>
             <a:pPr lvl="1"/>
@@ -4735,7 +4702,6 @@
               <a:rPr lang="en-US"/>
               <a:t>Second level</a:t>
             </a:r>
-            <a:endParaRPr lang="en-US"/>
           </a:p>
           <a:p>
             <a:pPr lvl="2"/>
@@ -4743,7 +4709,6 @@
               <a:rPr lang="en-US"/>
               <a:t>Third level</a:t>
             </a:r>
-            <a:endParaRPr lang="en-US"/>
           </a:p>
           <a:p>
             <a:pPr lvl="3"/>
@@ -4751,7 +4716,6 @@
               <a:rPr lang="en-US"/>
               <a:t>Fourth level</a:t>
             </a:r>
-            <a:endParaRPr lang="en-US"/>
           </a:p>
           <a:p>
             <a:pPr lvl="4"/>
@@ -4780,6 +4744,7 @@
           <a:p>
             <a:fld id="{B61BEF0D-F0BB-DE4B-95CE-6DB70DBA9567}" type="datetimeFigureOut">
               <a:rPr lang="en-US" dirty="0"/>
+              <a:t>2/14/2025</a:t>
             </a:fld>
             <a:endParaRPr lang="en-US" dirty="0"/>
           </a:p>
@@ -4821,6 +4786,7 @@
           <a:p>
             <a:fld id="{D57F1E4F-1CFF-5643-939E-217C01CDF565}" type="slidenum">
               <a:rPr lang="en-US" dirty="0"/>
+              <a:t>‹#›</a:t>
             </a:fld>
             <a:endParaRPr lang="en-US" dirty="0"/>
           </a:p>
@@ -4922,6 +4888,7 @@
           <a:p>
             <a:fld id="{B61BEF0D-F0BB-DE4B-95CE-6DB70DBA9567}" type="datetimeFigureOut">
               <a:rPr lang="en-US" dirty="0"/>
+              <a:t>2/14/2025</a:t>
             </a:fld>
             <a:endParaRPr lang="en-US" dirty="0"/>
           </a:p>
@@ -4963,6 +4930,7 @@
           <a:p>
             <a:fld id="{D57F1E4F-1CFF-5643-939E-217C01CDF565}" type="slidenum">
               <a:rPr lang="en-US" dirty="0"/>
+              <a:t>‹#›</a:t>
             </a:fld>
             <a:endParaRPr lang="en-US" dirty="0"/>
           </a:p>
@@ -5041,6 +5009,7 @@
           <a:p>
             <a:fld id="{B61BEF0D-F0BB-DE4B-95CE-6DB70DBA9567}" type="datetimeFigureOut">
               <a:rPr lang="en-US" dirty="0"/>
+              <a:t>2/14/2025</a:t>
             </a:fld>
             <a:endParaRPr lang="en-US" dirty="0"/>
           </a:p>
@@ -5082,6 +5051,7 @@
           <a:p>
             <a:fld id="{D57F1E4F-1CFF-5643-939E-217C01CDF565}" type="slidenum">
               <a:rPr lang="en-US" dirty="0"/>
+              <a:t>‹#›</a:t>
             </a:fld>
             <a:endParaRPr lang="en-US" dirty="0"/>
           </a:p>
@@ -5173,7 +5143,6 @@
               <a:rPr lang="en-US"/>
               <a:t>Edit Master text styles</a:t>
             </a:r>
-            <a:endParaRPr lang="en-US"/>
           </a:p>
           <a:p>
             <a:pPr lvl="1"/>
@@ -5181,7 +5150,6 @@
               <a:rPr lang="en-US"/>
               <a:t>Second level</a:t>
             </a:r>
-            <a:endParaRPr lang="en-US"/>
           </a:p>
           <a:p>
             <a:pPr lvl="2"/>
@@ -5189,7 +5157,6 @@
               <a:rPr lang="en-US"/>
               <a:t>Third level</a:t>
             </a:r>
-            <a:endParaRPr lang="en-US"/>
           </a:p>
           <a:p>
             <a:pPr lvl="3"/>
@@ -5197,7 +5164,6 @@
               <a:rPr lang="en-US"/>
               <a:t>Fourth level</a:t>
             </a:r>
-            <a:endParaRPr lang="en-US"/>
           </a:p>
           <a:p>
             <a:pPr lvl="4"/>
@@ -5273,7 +5239,6 @@
               <a:rPr lang="en-US"/>
               <a:t>Edit Master text styles</a:t>
             </a:r>
-            <a:endParaRPr lang="en-US"/>
           </a:p>
         </p:txBody>
       </p:sp>
@@ -5294,6 +5259,7 @@
           <a:p>
             <a:fld id="{B61BEF0D-F0BB-DE4B-95CE-6DB70DBA9567}" type="datetimeFigureOut">
               <a:rPr lang="en-US" dirty="0"/>
+              <a:t>2/14/2025</a:t>
             </a:fld>
             <a:endParaRPr lang="en-US" dirty="0"/>
           </a:p>
@@ -5335,6 +5301,7 @@
           <a:p>
             <a:fld id="{D57F1E4F-1CFF-5643-939E-217C01CDF565}" type="slidenum">
               <a:rPr lang="en-US" dirty="0"/>
+              <a:t>‹#›</a:t>
             </a:fld>
             <a:endParaRPr lang="en-US" dirty="0"/>
           </a:p>
@@ -5582,7 +5549,6 @@
               <a:rPr lang="en-US"/>
               <a:t>Edit Master text styles</a:t>
             </a:r>
-            <a:endParaRPr lang="en-US"/>
           </a:p>
         </p:txBody>
       </p:sp>
@@ -5603,6 +5569,7 @@
           <a:p>
             <a:fld id="{B61BEF0D-F0BB-DE4B-95CE-6DB70DBA9567}" type="datetimeFigureOut">
               <a:rPr lang="en-US" dirty="0"/>
+              <a:t>2/14/2025</a:t>
             </a:fld>
             <a:endParaRPr lang="en-US" dirty="0"/>
           </a:p>
@@ -5644,6 +5611,7 @@
           <a:p>
             <a:fld id="{D57F1E4F-1CFF-5643-939E-217C01CDF565}" type="slidenum">
               <a:rPr lang="en-US" dirty="0"/>
+              <a:t>‹#›</a:t>
             </a:fld>
             <a:endParaRPr lang="en-US" dirty="0"/>
           </a:p>
@@ -5702,7 +5670,7 @@
             <p:nvPr/>
           </p:nvPicPr>
           <p:blipFill>
-            <a:blip r:embed="rId18">
+            <a:blip r:embed="rId19">
               <a:extLst>
                 <a:ext uri="{28A0092B-C50C-407E-A947-70E740481C1C}">
                   <a14:useLocalDpi xmlns:a14="http://schemas.microsoft.com/office/drawing/2010/main" val="0"/>
@@ -5766,7 +5734,7 @@
             <p:nvPr/>
           </p:nvPicPr>
           <p:blipFill rotWithShape="1">
-            <a:blip r:embed="rId19">
+            <a:blip r:embed="rId20">
               <a:extLst>
                 <a:ext uri="{28A0092B-C50C-407E-A947-70E740481C1C}">
                   <a14:useLocalDpi xmlns:a14="http://schemas.microsoft.com/office/drawing/2010/main" val="0"/>
@@ -5797,7 +5765,7 @@
             <p:nvPr/>
           </p:nvPicPr>
           <p:blipFill rotWithShape="1">
-            <a:blip r:embed="rId19">
+            <a:blip r:embed="rId20">
               <a:extLst>
                 <a:ext uri="{28A0092B-C50C-407E-A947-70E740481C1C}">
                   <a14:useLocalDpi xmlns:a14="http://schemas.microsoft.com/office/drawing/2010/main" val="0"/>
@@ -5884,7 +5852,6 @@
               <a:rPr lang="en-US"/>
               <a:t>Edit Master text styles</a:t>
             </a:r>
-            <a:endParaRPr lang="en-US"/>
           </a:p>
           <a:p>
             <a:pPr lvl="1"/>
@@ -5892,7 +5859,6 @@
               <a:rPr lang="en-US"/>
               <a:t>Second level</a:t>
             </a:r>
-            <a:endParaRPr lang="en-US"/>
           </a:p>
           <a:p>
             <a:pPr lvl="2"/>
@@ -5900,7 +5866,6 @@
               <a:rPr lang="en-US"/>
               <a:t>Third level</a:t>
             </a:r>
-            <a:endParaRPr lang="en-US"/>
           </a:p>
           <a:p>
             <a:pPr lvl="3"/>
@@ -5908,7 +5873,6 @@
               <a:rPr lang="en-US"/>
               <a:t>Fourth level</a:t>
             </a:r>
-            <a:endParaRPr lang="en-US"/>
           </a:p>
           <a:p>
             <a:pPr lvl="4"/>
@@ -5955,6 +5919,7 @@
           <a:p>
             <a:fld id="{B61BEF0D-F0BB-DE4B-95CE-6DB70DBA9567}" type="datetimeFigureOut">
               <a:rPr lang="en-US" dirty="0"/>
+              <a:t>2/14/2025</a:t>
             </a:fld>
             <a:endParaRPr lang="en-US" dirty="0"/>
           </a:p>
@@ -6032,6 +5997,7 @@
           <a:p>
             <a:fld id="{D57F1E4F-1CFF-5643-939E-217C01CDF565}" type="slidenum">
               <a:rPr lang="en-US" dirty="0"/>
+              <a:t>‹#›</a:t>
             </a:fld>
             <a:endParaRPr lang="en-US" dirty="0"/>
           </a:p>
@@ -6514,7 +6480,6 @@
               <a:rPr lang="en-US" dirty="0"/>
               <a:t> (JS)</a:t>
             </a:r>
-            <a:endParaRPr lang="en-US" dirty="0"/>
           </a:p>
         </p:txBody>
       </p:sp>
@@ -6562,7 +6527,6 @@
               <a:rPr lang="en-US" dirty="0"/>
               <a:t>Primitive Datatypes</a:t>
             </a:r>
-            <a:endParaRPr lang="en-US" dirty="0"/>
           </a:p>
         </p:txBody>
       </p:sp>
@@ -6574,11 +6538,16 @@
           </p:cNvGraphicFramePr>
           <p:nvPr>
             <p:ph idx="1"/>
+            <p:extLst>
+              <p:ext uri="{D42A27DB-BD31-4B8C-83A1-F6EECF244321}">
+                <p14:modId xmlns:p14="http://schemas.microsoft.com/office/powerpoint/2010/main" val="310551804"/>
+              </p:ext>
+            </p:extLst>
           </p:nvPr>
         </p:nvGraphicFramePr>
         <p:xfrm>
           <a:off x="2255520" y="2570910"/>
-          <a:ext cx="8031480" cy="3361571"/>
+          <a:ext cx="8031480" cy="2505611"/>
         </p:xfrm>
         <a:graphic>
           <a:graphicData uri="http://schemas.openxmlformats.org/drawingml/2006/table">
@@ -6587,8 +6556,20 @@
                 <a:tableStyleId>{5C22544A-7EE6-4342-B048-85BDC9FD1C3A}</a:tableStyleId>
               </a:tblPr>
               <a:tblGrid>
-                <a:gridCol w="2060986"/>
-                <a:gridCol w="5970494"/>
+                <a:gridCol w="2060986">
+                  <a:extLst>
+                    <a:ext uri="{9D8B030D-6E8A-4147-A177-3AD203B41FA5}">
+                      <a16:colId xmlns:a16="http://schemas.microsoft.com/office/drawing/2014/main" val="20000"/>
+                    </a:ext>
+                  </a:extLst>
+                </a:gridCol>
+                <a:gridCol w="5970494">
+                  <a:extLst>
+                    <a:ext uri="{9D8B030D-6E8A-4147-A177-3AD203B41FA5}">
+                      <a16:colId xmlns:a16="http://schemas.microsoft.com/office/drawing/2014/main" val="20001"/>
+                    </a:ext>
+                  </a:extLst>
+                </a:gridCol>
               </a:tblGrid>
               <a:tr h="247957">
                 <a:tc>
@@ -6600,7 +6581,6 @@
                         <a:rPr lang="en-US" dirty="0"/>
                         <a:t>Data Type	</a:t>
                       </a:r>
-                      <a:endParaRPr lang="en-US" dirty="0"/>
                     </a:p>
                   </a:txBody>
                   <a:tcPr/>
@@ -6614,11 +6594,15 @@
                         <a:rPr lang="en-US" dirty="0"/>
                         <a:t>Description</a:t>
                       </a:r>
-                      <a:endParaRPr lang="en-US" dirty="0"/>
                     </a:p>
                   </a:txBody>
                   <a:tcPr/>
                 </a:tc>
+                <a:extLst>
+                  <a:ext uri="{0D108BD9-81ED-4DB2-BD59-A6C34878D82A}">
+                    <a16:rowId xmlns:a16="http://schemas.microsoft.com/office/drawing/2014/main" val="10000"/>
+                  </a:ext>
+                </a:extLst>
               </a:tr>
               <a:tr h="398201">
                 <a:tc>
@@ -6630,7 +6614,6 @@
                         <a:rPr lang="en-US" dirty="0"/>
                         <a:t>String</a:t>
                       </a:r>
-                      <a:endParaRPr lang="en-US" dirty="0"/>
                     </a:p>
                   </a:txBody>
                   <a:tcPr/>
@@ -6660,11 +6643,15 @@
                         <a:rPr lang="en-US" dirty="0"/>
                         <a:t>represents sequence of characters e.g. “hello”</a:t>
                       </a:r>
-                      <a:endParaRPr lang="en-US" dirty="0"/>
                     </a:p>
                   </a:txBody>
                   <a:tcPr/>
                 </a:tc>
+                <a:extLst>
+                  <a:ext uri="{0D108BD9-81ED-4DB2-BD59-A6C34878D82A}">
+                    <a16:rowId xmlns:a16="http://schemas.microsoft.com/office/drawing/2014/main" val="10001"/>
+                  </a:ext>
+                </a:extLst>
               </a:tr>
               <a:tr h="427980">
                 <a:tc>
@@ -6676,7 +6663,6 @@
                         <a:rPr lang="en-US" dirty="0"/>
                         <a:t>Number</a:t>
                       </a:r>
-                      <a:endParaRPr lang="en-US" dirty="0"/>
                     </a:p>
                   </a:txBody>
                   <a:tcPr/>
@@ -6706,11 +6692,15 @@
                         <a:rPr lang="en-US" dirty="0"/>
                         <a:t>represents numeric values e.g. 100</a:t>
                       </a:r>
-                      <a:endParaRPr lang="en-US" dirty="0"/>
                     </a:p>
                   </a:txBody>
                   <a:tcPr/>
                 </a:tc>
+                <a:extLst>
+                  <a:ext uri="{0D108BD9-81ED-4DB2-BD59-A6C34878D82A}">
+                    <a16:rowId xmlns:a16="http://schemas.microsoft.com/office/drawing/2014/main" val="10002"/>
+                  </a:ext>
+                </a:extLst>
               </a:tr>
               <a:tr h="457710">
                 <a:tc>
@@ -6722,7 +6712,6 @@
                         <a:rPr lang="en-US" dirty="0"/>
                         <a:t>Boolean</a:t>
                       </a:r>
-                      <a:endParaRPr lang="en-US" dirty="0"/>
                     </a:p>
                   </a:txBody>
                   <a:tcPr/>
@@ -6760,11 +6749,15 @@
                         <a:rPr lang="en-US" dirty="0"/>
                         <a:t> value either false or true</a:t>
                       </a:r>
-                      <a:endParaRPr lang="en-US" dirty="0"/>
                     </a:p>
                   </a:txBody>
                   <a:tcPr/>
                 </a:tc>
+                <a:extLst>
+                  <a:ext uri="{0D108BD9-81ED-4DB2-BD59-A6C34878D82A}">
+                    <a16:rowId xmlns:a16="http://schemas.microsoft.com/office/drawing/2014/main" val="10003"/>
+                  </a:ext>
+                </a:extLst>
               </a:tr>
               <a:tr h="427980">
                 <a:tc>
@@ -6776,7 +6769,6 @@
                         <a:rPr lang="en-US" dirty="0"/>
                         <a:t>Undefined</a:t>
                       </a:r>
-                      <a:endParaRPr lang="en-US" dirty="0"/>
                     </a:p>
                   </a:txBody>
                   <a:tcPr/>
@@ -6806,11 +6798,15 @@
                         <a:rPr lang="en-US" dirty="0"/>
                         <a:t>represents undefined value</a:t>
                       </a:r>
-                      <a:endParaRPr lang="en-US" dirty="0"/>
                     </a:p>
                   </a:txBody>
                   <a:tcPr/>
                 </a:tc>
+                <a:extLst>
+                  <a:ext uri="{0D108BD9-81ED-4DB2-BD59-A6C34878D82A}">
+                    <a16:rowId xmlns:a16="http://schemas.microsoft.com/office/drawing/2014/main" val="10004"/>
+                  </a:ext>
+                </a:extLst>
               </a:tr>
               <a:tr h="427980">
                 <a:tc>
@@ -6822,7 +6818,6 @@
                         <a:rPr lang="en-US" dirty="0"/>
                         <a:t>Null</a:t>
                       </a:r>
-                      <a:endParaRPr lang="en-US" dirty="0"/>
                     </a:p>
                   </a:txBody>
                   <a:tcPr/>
@@ -6852,143 +6847,15 @@
                         <a:rPr lang="en-US" dirty="0"/>
                         <a:t>represents null i.e. no value at all</a:t>
                       </a:r>
-                      <a:endParaRPr lang="en-US" dirty="0"/>
                     </a:p>
                   </a:txBody>
                   <a:tcPr/>
                 </a:tc>
-              </a:tr>
-              <a:tr h="427980">
-                <a:tc>
-                  <a:txBody>
-                    <a:bodyPr/>
-                    <a:lstStyle/>
-                    <a:p>
-                      <a:r>
-                        <a:rPr lang="en-US" dirty="0" err="1"/>
-                        <a:t>BigInt</a:t>
-                      </a:r>
-                      <a:endParaRPr lang="en-US" dirty="0"/>
-                    </a:p>
-                  </a:txBody>
-                  <a:tcPr/>
-                </a:tc>
-                <a:tc>
-                  <a:txBody>
-                    <a:bodyPr/>
-                    <a:lstStyle/>
-                    <a:p>
-                      <a:pPr marL="0" marR="0" lvl="0" indent="0" algn="l" defTabSz="457200" rtl="0" eaLnBrk="1" fontAlgn="auto" latinLnBrk="0" hangingPunct="1">
-                        <a:lnSpc>
-                          <a:spcPct val="100000"/>
-                        </a:lnSpc>
-                        <a:spcBef>
-                          <a:spcPts val="0"/>
-                        </a:spcBef>
-                        <a:spcAft>
-                          <a:spcPts val="0"/>
-                        </a:spcAft>
-                        <a:buClrTx/>
-                        <a:buSzTx/>
-                        <a:buFontTx/>
-                        <a:buNone/>
-                        <a:defRPr/>
-                      </a:pPr>
-                      <a:r>
-                        <a:rPr lang="en-US" dirty="0"/>
-                        <a:t>represents big integer </a:t>
-                      </a:r>
-                      <a:r>
-                        <a:rPr lang="en-US" dirty="0" err="1"/>
-                        <a:t>eg.</a:t>
-                      </a:r>
-                      <a:r>
-                        <a:rPr lang="en-US" dirty="0"/>
-                        <a:t> </a:t>
-                      </a:r>
-                      <a:r>
-                        <a:rPr lang="en-US" dirty="0" err="1"/>
-                        <a:t>BigInt</a:t>
-                      </a:r>
-                      <a:r>
-                        <a:rPr lang="en-US" dirty="0"/>
-                        <a:t>(“543”)</a:t>
-                      </a:r>
-                      <a:endParaRPr lang="en-US" dirty="0"/>
-                    </a:p>
-                  </a:txBody>
-                  <a:tcPr/>
-                </a:tc>
-              </a:tr>
-              <a:tr h="427980">
-                <a:tc>
-                  <a:txBody>
-                    <a:bodyPr/>
-                    <a:lstStyle/>
-                    <a:p>
-                      <a:r>
-                        <a:rPr lang="en-US" dirty="0"/>
-                        <a:t>Symbol</a:t>
-                      </a:r>
-                      <a:endParaRPr lang="en-US" dirty="0"/>
-                    </a:p>
-                  </a:txBody>
-                  <a:tcPr/>
-                </a:tc>
-                <a:tc>
-                  <a:txBody>
-                    <a:bodyPr/>
-                    <a:lstStyle/>
-                    <a:p>
-                      <a:pPr marL="0" marR="0" lvl="0" indent="0" algn="l" defTabSz="457200" rtl="0" eaLnBrk="1" fontAlgn="auto" latinLnBrk="0" hangingPunct="1">
-                        <a:lnSpc>
-                          <a:spcPct val="100000"/>
-                        </a:lnSpc>
-                        <a:spcBef>
-                          <a:spcPts val="0"/>
-                        </a:spcBef>
-                        <a:spcAft>
-                          <a:spcPts val="0"/>
-                        </a:spcAft>
-                        <a:buClrTx/>
-                        <a:buSzTx/>
-                        <a:buFontTx/>
-                        <a:buNone/>
-                        <a:defRPr/>
-                      </a:pPr>
-                      <a:r>
-                        <a:rPr lang="en-US" dirty="0"/>
-                        <a:t>represents Symbol </a:t>
-                      </a:r>
-                      <a:r>
-                        <a:rPr lang="en-US" dirty="0" err="1"/>
-                        <a:t>eg.</a:t>
-                      </a:r>
-                      <a:r>
-                        <a:rPr lang="en-US" dirty="0"/>
-                        <a:t> Symbol(“</a:t>
-                      </a:r>
-                      <a:r>
-                        <a:rPr lang="en-US" sz="1800" kern="1200" dirty="0" err="1">
-                          <a:solidFill>
-                            <a:schemeClr val="dk1"/>
-                          </a:solidFill>
-                          <a:effectLst/>
-                          <a:latin typeface="+mn-lt"/>
-                          <a:ea typeface="+mn-ea"/>
-                          <a:cs typeface="+mn-cs"/>
-                        </a:rPr>
-                        <a:t>myGlobalSymbol</a:t>
-                      </a:r>
-                      <a:r>
-                        <a:rPr lang="en-US" dirty="0"/>
-                        <a:t>”)</a:t>
-                      </a:r>
-                      <a:endParaRPr lang="en-US" dirty="0"/>
-                    </a:p>
-                  </a:txBody>
-                  <a:tcPr/>
-                </a:tc>
+                <a:extLst>
+                  <a:ext uri="{0D108BD9-81ED-4DB2-BD59-A6C34878D82A}">
+                    <a16:rowId xmlns:a16="http://schemas.microsoft.com/office/drawing/2014/main" val="10005"/>
+                  </a:ext>
+                </a:extLst>
               </a:tr>
             </a:tbl>
           </a:graphicData>
@@ -7042,7 +6909,6 @@
               <a:rPr lang="en-US" dirty="0"/>
               <a:t> Data Types</a:t>
             </a:r>
-            <a:endParaRPr lang="en-US" dirty="0"/>
           </a:p>
         </p:txBody>
       </p:sp>
@@ -7067,8 +6933,20 @@
                 <a:tableStyleId>{5C22544A-7EE6-4342-B048-85BDC9FD1C3A}</a:tableStyleId>
               </a:tblPr>
               <a:tblGrid>
-                <a:gridCol w="2060986"/>
-                <a:gridCol w="5970494"/>
+                <a:gridCol w="2060986">
+                  <a:extLst>
+                    <a:ext uri="{9D8B030D-6E8A-4147-A177-3AD203B41FA5}">
+                      <a16:colId xmlns:a16="http://schemas.microsoft.com/office/drawing/2014/main" val="20000"/>
+                    </a:ext>
+                  </a:extLst>
+                </a:gridCol>
+                <a:gridCol w="5970494">
+                  <a:extLst>
+                    <a:ext uri="{9D8B030D-6E8A-4147-A177-3AD203B41FA5}">
+                      <a16:colId xmlns:a16="http://schemas.microsoft.com/office/drawing/2014/main" val="20001"/>
+                    </a:ext>
+                  </a:extLst>
+                </a:gridCol>
               </a:tblGrid>
               <a:tr h="247957">
                 <a:tc>
@@ -7080,7 +6958,6 @@
                         <a:rPr lang="en-US" dirty="0"/>
                         <a:t>Data Type	</a:t>
                       </a:r>
-                      <a:endParaRPr lang="en-US" dirty="0"/>
                     </a:p>
                   </a:txBody>
                   <a:tcPr/>
@@ -7094,11 +6971,15 @@
                         <a:rPr lang="en-US" dirty="0"/>
                         <a:t>Description</a:t>
                       </a:r>
-                      <a:endParaRPr lang="en-US" dirty="0"/>
                     </a:p>
                   </a:txBody>
                   <a:tcPr/>
                 </a:tc>
+                <a:extLst>
+                  <a:ext uri="{0D108BD9-81ED-4DB2-BD59-A6C34878D82A}">
+                    <a16:rowId xmlns:a16="http://schemas.microsoft.com/office/drawing/2014/main" val="10000"/>
+                  </a:ext>
+                </a:extLst>
               </a:tr>
               <a:tr h="398201">
                 <a:tc>
@@ -7161,6 +7042,11 @@
                   </a:txBody>
                   <a:tcPr/>
                 </a:tc>
+                <a:extLst>
+                  <a:ext uri="{0D108BD9-81ED-4DB2-BD59-A6C34878D82A}">
+                    <a16:rowId xmlns:a16="http://schemas.microsoft.com/office/drawing/2014/main" val="10001"/>
+                  </a:ext>
+                </a:extLst>
               </a:tr>
               <a:tr h="427980">
                 <a:tc>
@@ -7223,6 +7109,11 @@
                   </a:txBody>
                   <a:tcPr/>
                 </a:tc>
+                <a:extLst>
+                  <a:ext uri="{0D108BD9-81ED-4DB2-BD59-A6C34878D82A}">
+                    <a16:rowId xmlns:a16="http://schemas.microsoft.com/office/drawing/2014/main" val="10002"/>
+                  </a:ext>
+                </a:extLst>
               </a:tr>
             </a:tbl>
           </a:graphicData>
@@ -7270,198 +7161,90 @@
           <a:p>
             <a:r>
               <a:rPr lang="en-US" dirty="0" err="1"/>
-              <a:t>Non-Primitive|Composite</a:t>
-            </a:r>
-            <a:r>
-              <a:rPr lang="en-US" dirty="0"/>
-              <a:t> Data Types</a:t>
-            </a:r>
-            <a:endParaRPr lang="en-US" dirty="0"/>
-          </a:p>
-        </p:txBody>
-      </p:sp>
-      <p:graphicFrame>
-        <p:nvGraphicFramePr>
-          <p:cNvPr id="3" name="Content Placeholder 2"/>
-          <p:cNvGraphicFramePr>
-            <a:graphicFrameLocks noGrp="1"/>
-          </p:cNvGraphicFramePr>
+              <a:t>Loosely|Weakly</a:t>
+            </a:r>
+            <a:r>
+              <a:rPr lang="en-US" dirty="0"/>
+              <a:t> Typed</a:t>
+            </a:r>
+          </a:p>
+        </p:txBody>
+      </p:sp>
+      <p:sp>
+        <p:nvSpPr>
+          <p:cNvPr id="5" name="Content Placeholder 4"/>
+          <p:cNvSpPr>
+            <a:spLocks noGrp="1"/>
+          </p:cNvSpPr>
           <p:nvPr>
             <p:ph idx="1"/>
           </p:nvPr>
-        </p:nvGraphicFramePr>
-        <p:xfrm>
-          <a:off x="2255520" y="2570910"/>
-          <a:ext cx="8031480" cy="1191941"/>
-        </p:xfrm>
-        <a:graphic>
-          <a:graphicData uri="http://schemas.openxmlformats.org/drawingml/2006/table">
-            <a:tbl>
-              <a:tblPr firstRow="1" bandRow="1">
-                <a:tableStyleId>{5C22544A-7EE6-4342-B048-85BDC9FD1C3A}</a:tableStyleId>
-              </a:tblPr>
-              <a:tblGrid>
-                <a:gridCol w="2060986"/>
-                <a:gridCol w="5970494"/>
-              </a:tblGrid>
-              <a:tr h="247957">
-                <a:tc>
-                  <a:txBody>
-                    <a:bodyPr/>
-                    <a:lstStyle/>
-                    <a:p>
-                      <a:r>
-                        <a:rPr lang="en-US" dirty="0"/>
-                        <a:t>Data Type	</a:t>
-                      </a:r>
-                      <a:endParaRPr lang="en-US" dirty="0"/>
-                    </a:p>
-                  </a:txBody>
-                  <a:tcPr/>
-                </a:tc>
-                <a:tc>
-                  <a:txBody>
-                    <a:bodyPr/>
-                    <a:lstStyle/>
-                    <a:p>
-                      <a:r>
-                        <a:rPr lang="en-US" dirty="0"/>
-                        <a:t>Description</a:t>
-                      </a:r>
-                      <a:endParaRPr lang="en-US" dirty="0"/>
-                    </a:p>
-                  </a:txBody>
-                  <a:tcPr/>
-                </a:tc>
-              </a:tr>
-              <a:tr h="398201">
-                <a:tc>
-                  <a:txBody>
-                    <a:bodyPr/>
-                    <a:lstStyle/>
-                    <a:p>
-                      <a:r>
-                        <a:rPr lang="en-US" sz="1800" b="0" i="0" kern="1200" dirty="0">
-                          <a:solidFill>
-                            <a:schemeClr val="dk1"/>
-                          </a:solidFill>
-                          <a:effectLst/>
-                          <a:latin typeface="+mn-lt"/>
-                          <a:ea typeface="+mn-ea"/>
-                          <a:cs typeface="+mn-cs"/>
-                        </a:rPr>
-                        <a:t>Object</a:t>
-                      </a:r>
-                      <a:endParaRPr lang="en-US" dirty="0"/>
-                    </a:p>
-                  </a:txBody>
-                  <a:tcPr/>
-                </a:tc>
-                <a:tc>
-                  <a:txBody>
-                    <a:bodyPr/>
-                    <a:lstStyle/>
-                    <a:p>
-                      <a:pPr marL="0" marR="0" lvl="0" indent="0" algn="l" defTabSz="457200" rtl="0" eaLnBrk="1" fontAlgn="auto" latinLnBrk="0" hangingPunct="1">
-                        <a:lnSpc>
-                          <a:spcPct val="100000"/>
-                        </a:lnSpc>
-                        <a:spcBef>
-                          <a:spcPts val="0"/>
-                        </a:spcBef>
-                        <a:spcAft>
-                          <a:spcPts val="0"/>
-                        </a:spcAft>
-                        <a:buClrTx/>
-                        <a:buSzTx/>
-                        <a:buFontTx/>
-                        <a:buNone/>
-                        <a:defRPr/>
-                      </a:pPr>
-                      <a:r>
-                        <a:rPr lang="en-US" sz="1800" b="0" i="0" kern="1200" dirty="0">
-                          <a:solidFill>
-                            <a:schemeClr val="dk1"/>
-                          </a:solidFill>
-                          <a:effectLst/>
-                          <a:latin typeface="+mn-lt"/>
-                          <a:ea typeface="+mn-ea"/>
-                          <a:cs typeface="+mn-cs"/>
-                        </a:rPr>
-                        <a:t>represents instance through which we can access members</a:t>
-                      </a:r>
-                      <a:endParaRPr lang="en-US" dirty="0"/>
-                    </a:p>
-                  </a:txBody>
-                  <a:tcPr/>
-                </a:tc>
-              </a:tr>
-              <a:tr h="427980">
-                <a:tc>
-                  <a:txBody>
-                    <a:bodyPr/>
-                    <a:lstStyle/>
-                    <a:p>
-                      <a:r>
-                        <a:rPr lang="en-US" sz="1800" b="0" i="0" kern="1200" dirty="0">
-                          <a:solidFill>
-                            <a:schemeClr val="dk1"/>
-                          </a:solidFill>
-                          <a:effectLst/>
-                          <a:latin typeface="+mn-lt"/>
-                          <a:ea typeface="+mn-ea"/>
-                          <a:cs typeface="+mn-cs"/>
-                        </a:rPr>
-                        <a:t>Array</a:t>
-                      </a:r>
-                      <a:endParaRPr lang="en-US" dirty="0"/>
-                    </a:p>
-                  </a:txBody>
-                  <a:tcPr/>
-                </a:tc>
-                <a:tc>
-                  <a:txBody>
-                    <a:bodyPr/>
-                    <a:lstStyle/>
-                    <a:p>
-                      <a:pPr marL="0" marR="0" lvl="0" indent="0" algn="l" defTabSz="457200" rtl="0" eaLnBrk="1" fontAlgn="auto" latinLnBrk="0" hangingPunct="1">
-                        <a:lnSpc>
-                          <a:spcPct val="100000"/>
-                        </a:lnSpc>
-                        <a:spcBef>
-                          <a:spcPts val="0"/>
-                        </a:spcBef>
-                        <a:spcAft>
-                          <a:spcPts val="0"/>
-                        </a:spcAft>
-                        <a:buClrTx/>
-                        <a:buSzTx/>
-                        <a:buFontTx/>
-                        <a:buNone/>
-                        <a:defRPr/>
-                      </a:pPr>
-                      <a:r>
-                        <a:rPr lang="en-US" sz="1800" b="0" i="0" kern="1200" dirty="0">
-                          <a:solidFill>
-                            <a:schemeClr val="dk1"/>
-                          </a:solidFill>
-                          <a:effectLst/>
-                          <a:latin typeface="+mn-lt"/>
-                          <a:ea typeface="+mn-ea"/>
-                          <a:cs typeface="+mn-cs"/>
-                        </a:rPr>
-                        <a:t>represents group of similar values</a:t>
-                      </a:r>
-                      <a:endParaRPr lang="en-US" dirty="0"/>
-                    </a:p>
-                  </a:txBody>
-                  <a:tcPr/>
-                </a:tc>
-              </a:tr>
-            </a:tbl>
-          </a:graphicData>
-        </a:graphic>
-      </p:graphicFrame>
+        </p:nvSpPr>
+        <p:spPr/>
+        <p:txBody>
+          <a:bodyPr>
+            <a:normAutofit fontScale="92500" lnSpcReduction="10000"/>
+          </a:bodyPr>
+          <a:lstStyle/>
+          <a:p>
+            <a:pPr marL="0" indent="0">
+              <a:buNone/>
+            </a:pPr>
+            <a:r>
+              <a:rPr lang="en-US" dirty="0" err="1"/>
+              <a:t>Javascript</a:t>
+            </a:r>
+            <a:r>
+              <a:rPr lang="en-US" dirty="0"/>
+              <a:t> is known as </a:t>
+            </a:r>
+            <a:r>
+              <a:rPr lang="en-US" dirty="0" err="1"/>
+              <a:t>untyped|loosely|weakly</a:t>
+            </a:r>
+            <a:r>
+              <a:rPr lang="en-US" dirty="0"/>
+              <a:t> typed language. This means that we do not have to specify the data type in advance unlike other languages like C++, Java C# etc.</a:t>
+            </a:r>
+          </a:p>
+          <a:p>
+            <a:pPr marL="0" indent="0">
+              <a:buNone/>
+            </a:pPr>
+            <a:r>
+              <a:rPr lang="en-US" dirty="0"/>
+              <a:t>Example –</a:t>
+            </a:r>
+          </a:p>
+          <a:p>
+            <a:pPr marL="0" indent="0">
+              <a:buNone/>
+            </a:pPr>
+            <a:r>
+              <a:rPr lang="en-US" dirty="0"/>
+              <a:t>var x;</a:t>
+            </a:r>
+          </a:p>
+          <a:p>
+            <a:pPr marL="0" indent="0">
+              <a:buNone/>
+            </a:pPr>
+            <a:r>
+              <a:rPr lang="en-US" dirty="0"/>
+              <a:t>x = 5;</a:t>
+            </a:r>
+          </a:p>
+          <a:p>
+            <a:pPr marL="0" indent="0">
+              <a:buNone/>
+            </a:pPr>
+            <a:r>
+              <a:rPr lang="en-US" dirty="0"/>
+              <a:t>In the above example we can see that we did not have to specify any data type for the variable x in advance.</a:t>
+            </a:r>
+          </a:p>
+        </p:txBody>
+      </p:sp>
     </p:spTree>
   </p:cSld>
   <p:clrMapOvr>
@@ -7503,54 +7286,61 @@
           <a:lstStyle/>
           <a:p>
             <a:r>
+              <a:rPr lang="en-US" dirty="0"/>
+              <a:t>Dynamically Typed</a:t>
+            </a:r>
+          </a:p>
+        </p:txBody>
+      </p:sp>
+      <p:sp>
+        <p:nvSpPr>
+          <p:cNvPr id="5" name="Content Placeholder 4"/>
+          <p:cNvSpPr>
+            <a:spLocks noGrp="1"/>
+          </p:cNvSpPr>
+          <p:nvPr>
+            <p:ph idx="1"/>
+          </p:nvPr>
+        </p:nvSpPr>
+        <p:spPr/>
+        <p:txBody>
+          <a:bodyPr>
+            <a:normAutofit fontScale="92500"/>
+          </a:bodyPr>
+          <a:lstStyle/>
+          <a:p>
+            <a:pPr marL="0" indent="0">
+              <a:buNone/>
+            </a:pPr>
+            <a:r>
+              <a:rPr lang="en-US" dirty="0"/>
+              <a:t>This means, that once a variable is created in </a:t>
+            </a:r>
+            <a:r>
               <a:rPr lang="en-US" dirty="0" err="1"/>
-              <a:t>Loosely|Weakly</a:t>
-            </a:r>
-            <a:r>
-              <a:rPr lang="en-US" dirty="0"/>
-              <a:t> Typed</a:t>
-            </a:r>
-            <a:endParaRPr lang="en-US" dirty="0"/>
-          </a:p>
-        </p:txBody>
-      </p:sp>
-      <p:sp>
-        <p:nvSpPr>
-          <p:cNvPr id="5" name="Content Placeholder 4"/>
-          <p:cNvSpPr>
-            <a:spLocks noGrp="1"/>
-          </p:cNvSpPr>
-          <p:nvPr>
-            <p:ph idx="1"/>
-          </p:nvPr>
-        </p:nvSpPr>
-        <p:spPr/>
-        <p:txBody>
-          <a:bodyPr>
-            <a:normAutofit fontScale="92500" lnSpcReduction="10000"/>
-          </a:bodyPr>
-          <a:lstStyle/>
+              <a:t>javascript</a:t>
+            </a:r>
+            <a:r>
+              <a:rPr lang="en-US" dirty="0"/>
+              <a:t> using the keyword var, we can store any type of value in this variable supported by </a:t>
+            </a:r>
+            <a:r>
+              <a:rPr lang="en-US" dirty="0" err="1"/>
+              <a:t>javascript</a:t>
+            </a:r>
+            <a:r>
+              <a:rPr lang="en-US" dirty="0"/>
+              <a:t>.</a:t>
+            </a:r>
+          </a:p>
           <a:p>
             <a:pPr marL="0" indent="0">
               <a:buNone/>
             </a:pPr>
             <a:r>
-              <a:rPr lang="en-US" dirty="0" err="1"/>
-              <a:t>Javascript</a:t>
-            </a:r>
-            <a:r>
-              <a:rPr lang="en-US" dirty="0"/>
-              <a:t> is known as </a:t>
-            </a:r>
-            <a:r>
-              <a:rPr lang="en-US" dirty="0" err="1"/>
-              <a:t>untyped|loosely|weakly</a:t>
-            </a:r>
-            <a:r>
-              <a:rPr lang="en-US" dirty="0"/>
-              <a:t> typed language. This means that we do not have to specify the data type in advance unlike other languages like C++, Java C# etc.</a:t>
-            </a:r>
-            <a:endParaRPr lang="en-US" dirty="0"/>
+              <a:rPr lang="en-US" dirty="0"/>
+              <a:t>Example –</a:t>
+            </a:r>
           </a:p>
           <a:p>
             <a:pPr marL="0" indent="0">
@@ -7558,9 +7348,8 @@
             </a:pPr>
             <a:r>
               <a:rPr lang="en-US" dirty="0"/>
-              <a:t>Example –</a:t>
-            </a:r>
-            <a:endParaRPr lang="en-US" dirty="0"/>
+              <a:t>var num = 5; </a:t>
+            </a:r>
           </a:p>
           <a:p>
             <a:pPr marL="0" indent="0">
@@ -7568,9 +7357,8 @@
             </a:pPr>
             <a:r>
               <a:rPr lang="en-US" dirty="0"/>
-              <a:t>var x;</a:t>
-            </a:r>
-            <a:endParaRPr lang="en-US" dirty="0"/>
+              <a:t>num = "Simple Snippets";</a:t>
+            </a:r>
           </a:p>
           <a:p>
             <a:pPr marL="0" indent="0">
@@ -7578,19 +7366,8 @@
             </a:pPr>
             <a:r>
               <a:rPr lang="en-US" dirty="0"/>
-              <a:t>x = 5;</a:t>
-            </a:r>
-            <a:endParaRPr lang="en-US" dirty="0"/>
-          </a:p>
-          <a:p>
-            <a:pPr marL="0" indent="0">
-              <a:buNone/>
-            </a:pPr>
-            <a:r>
-              <a:rPr lang="en-US" dirty="0"/>
-              <a:t>In the above example we can see that we did not have to specify any data type for the variable x in advance.</a:t>
-            </a:r>
-            <a:endParaRPr lang="en-US" dirty="0"/>
+              <a:t>In this example above, you can see that the data type of the variable num changes from number to string as we pass string data. This it is flexible in nature.</a:t>
+            </a:r>
           </a:p>
         </p:txBody>
       </p:sp>
@@ -7636,93 +7413,76 @@
           <a:p>
             <a:r>
               <a:rPr lang="en-US" dirty="0"/>
-              <a:t>Dynamically Typed</a:t>
+              <a:t>Immutable</a:t>
+            </a:r>
+            <a:r>
+              <a:rPr lang="en-US" b="1" dirty="0"/>
+              <a:t> </a:t>
+            </a:r>
+            <a:r>
+              <a:rPr lang="en-US" dirty="0"/>
+              <a:t>Datatype</a:t>
+            </a:r>
+          </a:p>
+        </p:txBody>
+      </p:sp>
+      <p:sp>
+        <p:nvSpPr>
+          <p:cNvPr id="5" name="Content Placeholder 4"/>
+          <p:cNvSpPr>
+            <a:spLocks noGrp="1"/>
+          </p:cNvSpPr>
+          <p:nvPr>
+            <p:ph idx="1"/>
+          </p:nvPr>
+        </p:nvSpPr>
+        <p:spPr/>
+        <p:txBody>
+          <a:bodyPr>
+            <a:normAutofit fontScale="85000" lnSpcReduction="10000"/>
+          </a:bodyPr>
+          <a:lstStyle/>
+          <a:p>
+            <a:pPr marL="0" indent="0">
+              <a:buNone/>
+            </a:pPr>
+            <a:r>
+              <a:rPr lang="en-US" b="1" dirty="0"/>
+              <a:t>Immutable:</a:t>
             </a:r>
             <a:endParaRPr lang="en-US" dirty="0"/>
           </a:p>
-        </p:txBody>
-      </p:sp>
-      <p:sp>
-        <p:nvSpPr>
-          <p:cNvPr id="5" name="Content Placeholder 4"/>
-          <p:cNvSpPr>
-            <a:spLocks noGrp="1"/>
-          </p:cNvSpPr>
-          <p:nvPr>
-            <p:ph idx="1"/>
-          </p:nvPr>
-        </p:nvSpPr>
-        <p:spPr/>
-        <p:txBody>
-          <a:bodyPr>
-            <a:normAutofit fontScale="92500"/>
-          </a:bodyPr>
-          <a:lstStyle/>
-          <a:p>
-            <a:pPr marL="0" indent="0">
-              <a:buNone/>
-            </a:pPr>
-            <a:r>
-              <a:rPr lang="en-US" dirty="0"/>
-              <a:t>This means, that once a variable is created in </a:t>
+          <a:p>
+            <a:r>
+              <a:rPr lang="en-US" dirty="0"/>
+              <a:t>An object or data is considered immutable if its state cannot be modified after it is created.</a:t>
+            </a:r>
+          </a:p>
+          <a:p>
+            <a:r>
+              <a:rPr lang="en-US" dirty="0"/>
+              <a:t>Once an immutable object is created, any attempt to change its value or properties will result in the creation of a new object with the modified value, leaving the original object unchanged.</a:t>
+            </a:r>
+          </a:p>
+          <a:p>
+            <a:r>
+              <a:rPr lang="en-US" dirty="0"/>
+              <a:t>Immutable objects are often preferred in certain scenarios, as they can lead to more predictable and safer code.</a:t>
+            </a:r>
+          </a:p>
+          <a:p>
+            <a:r>
+              <a:rPr lang="en-US" dirty="0"/>
+              <a:t>Examples of immutable data types in JavaScript include numbers, strings, and </a:t>
             </a:r>
             <a:r>
               <a:rPr lang="en-US" dirty="0" err="1"/>
-              <a:t>javascript</a:t>
-            </a:r>
-            <a:r>
-              <a:rPr lang="en-US" dirty="0"/>
-              <a:t> using the keyword var, we can store any type of value in this variable supported by </a:t>
-            </a:r>
-            <a:r>
-              <a:rPr lang="en-US" dirty="0" err="1"/>
-              <a:t>javascript</a:t>
-            </a:r>
-            <a:r>
-              <a:rPr lang="en-US" dirty="0"/>
-              <a:t>.</a:t>
-            </a:r>
-            <a:endParaRPr lang="en-US" dirty="0"/>
-          </a:p>
-          <a:p>
-            <a:pPr marL="0" indent="0">
-              <a:buNone/>
-            </a:pPr>
-            <a:r>
-              <a:rPr lang="en-US" dirty="0"/>
-              <a:t>Example –</a:t>
-            </a:r>
-            <a:endParaRPr lang="en-US" dirty="0"/>
-          </a:p>
-          <a:p>
-            <a:pPr marL="0" indent="0">
-              <a:buNone/>
-            </a:pPr>
-            <a:r>
-              <a:rPr lang="en-US" dirty="0"/>
-              <a:t>var num = 5; </a:t>
-            </a:r>
-            <a:endParaRPr lang="en-US" dirty="0"/>
-          </a:p>
-          <a:p>
-            <a:pPr marL="0" indent="0">
-              <a:buNone/>
-            </a:pPr>
-            <a:r>
-              <a:rPr lang="en-US" dirty="0"/>
-              <a:t>num = "Simple Snippets";</a:t>
-            </a:r>
-            <a:endParaRPr lang="en-US" dirty="0"/>
-          </a:p>
-          <a:p>
-            <a:pPr marL="0" indent="0">
-              <a:buNone/>
-            </a:pPr>
-            <a:r>
-              <a:rPr lang="en-US" dirty="0"/>
-              <a:t>In this example above, you can see that the data type of the variable num changes from number to string as we pass string data. This it is flexible in nature.</a:t>
-            </a:r>
-            <a:endParaRPr lang="en-US" dirty="0"/>
+              <a:t>boolean</a:t>
+            </a:r>
+            <a:r>
+              <a:rPr lang="en-US" dirty="0"/>
+              <a:t> values. Once created, you cannot change their values directly.</a:t>
+            </a:r>
           </a:p>
         </p:txBody>
       </p:sp>
@@ -7768,17 +7528,8 @@
           <a:p>
             <a:r>
               <a:rPr lang="en-US" dirty="0"/>
-              <a:t>Immutable</a:t>
-            </a:r>
-            <a:r>
-              <a:rPr lang="en-US" b="1" dirty="0"/>
-              <a:t> </a:t>
-            </a:r>
-            <a:r>
-              <a:rPr lang="en-US" dirty="0"/>
-              <a:t>Datatype</a:t>
-            </a:r>
-            <a:endParaRPr lang="en-US" dirty="0"/>
+              <a:t>Immutable Datatype</a:t>
+            </a:r>
           </a:p>
         </p:txBody>
       </p:sp>
@@ -7795,7 +7546,7 @@
         <p:spPr/>
         <p:txBody>
           <a:bodyPr>
-            <a:normAutofit fontScale="85000" lnSpcReduction="10000"/>
+            <a:normAutofit/>
           </a:bodyPr>
           <a:lstStyle/>
           <a:p>
@@ -7811,38 +7562,28 @@
           <a:p>
             <a:r>
               <a:rPr lang="en-US" dirty="0"/>
-              <a:t>An object or data is considered immutable if its state cannot be modified after it is created.</a:t>
-            </a:r>
-            <a:endParaRPr lang="en-US" dirty="0"/>
-          </a:p>
-          <a:p>
-            <a:r>
-              <a:rPr lang="en-US" dirty="0"/>
-              <a:t>Once an immutable object is created, any attempt to change its value or properties will result in the creation of a new object with the modified value, leaving the original object unchanged.</a:t>
-            </a:r>
-            <a:endParaRPr lang="en-US" dirty="0"/>
-          </a:p>
-          <a:p>
-            <a:r>
-              <a:rPr lang="en-US" dirty="0"/>
-              <a:t>Immutable objects are often preferred in certain scenarios, as they can lead to more predictable and safer code.</a:t>
-            </a:r>
-            <a:endParaRPr lang="en-US" dirty="0"/>
-          </a:p>
-          <a:p>
-            <a:r>
-              <a:rPr lang="en-US" dirty="0"/>
-              <a:t>Examples of immutable data types in JavaScript include numbers, strings, and </a:t>
+              <a:t>Numbers: const num = 42;</a:t>
+            </a:r>
+          </a:p>
+          <a:p>
+            <a:r>
+              <a:rPr lang="en-US" dirty="0"/>
+              <a:t>Strings: const message = "Hello";</a:t>
+            </a:r>
+          </a:p>
+          <a:p>
+            <a:r>
+              <a:rPr lang="en-US" dirty="0"/>
+              <a:t>Booleans: const </a:t>
             </a:r>
             <a:r>
               <a:rPr lang="en-US" dirty="0" err="1"/>
-              <a:t>boolean</a:t>
-            </a:r>
-            <a:r>
-              <a:rPr lang="en-US" dirty="0"/>
-              <a:t> values. Once created, you cannot change their values directly.</a:t>
-            </a:r>
-            <a:endParaRPr lang="en-US" dirty="0"/>
+              <a:t>isValid</a:t>
+            </a:r>
+            <a:r>
+              <a:rPr lang="en-US" dirty="0"/>
+              <a:t> = true;</a:t>
+            </a:r>
           </a:p>
         </p:txBody>
       </p:sp>
@@ -7888,66 +7629,68 @@
           <a:p>
             <a:r>
               <a:rPr lang="en-US" dirty="0"/>
-              <a:t>Immutable Datatype</a:t>
+              <a:t>Mutable</a:t>
+            </a:r>
+            <a:r>
+              <a:rPr lang="en-US" b="1" dirty="0"/>
+              <a:t> </a:t>
+            </a:r>
+            <a:r>
+              <a:rPr lang="en-US" dirty="0"/>
+              <a:t>Datatype</a:t>
+            </a:r>
+          </a:p>
+        </p:txBody>
+      </p:sp>
+      <p:sp>
+        <p:nvSpPr>
+          <p:cNvPr id="5" name="Content Placeholder 4"/>
+          <p:cNvSpPr>
+            <a:spLocks noGrp="1"/>
+          </p:cNvSpPr>
+          <p:nvPr>
+            <p:ph idx="1"/>
+          </p:nvPr>
+        </p:nvSpPr>
+        <p:spPr/>
+        <p:txBody>
+          <a:bodyPr>
+            <a:normAutofit fontScale="92500" lnSpcReduction="10000"/>
+          </a:bodyPr>
+          <a:lstStyle/>
+          <a:p>
+            <a:pPr marL="0" indent="0">
+              <a:buNone/>
+            </a:pPr>
+            <a:r>
+              <a:rPr lang="en-US" b="1" dirty="0"/>
+              <a:t>Mutable:</a:t>
             </a:r>
             <a:endParaRPr lang="en-US" dirty="0"/>
           </a:p>
-        </p:txBody>
-      </p:sp>
-      <p:sp>
-        <p:nvSpPr>
-          <p:cNvPr id="5" name="Content Placeholder 4"/>
-          <p:cNvSpPr>
-            <a:spLocks noGrp="1"/>
-          </p:cNvSpPr>
-          <p:nvPr>
-            <p:ph idx="1"/>
-          </p:nvPr>
-        </p:nvSpPr>
-        <p:spPr/>
-        <p:txBody>
-          <a:bodyPr>
-            <a:normAutofit/>
-          </a:bodyPr>
-          <a:lstStyle/>
-          <a:p>
-            <a:pPr marL="0" indent="0">
-              <a:buNone/>
-            </a:pPr>
-            <a:r>
-              <a:rPr lang="en-US" b="1" dirty="0"/>
-              <a:t>Immutable:</a:t>
-            </a:r>
-            <a:endParaRPr lang="en-US" dirty="0"/>
-          </a:p>
-          <a:p>
-            <a:r>
-              <a:rPr lang="en-US" dirty="0"/>
-              <a:t>Numbers: const num = 42;</a:t>
-            </a:r>
-            <a:endParaRPr lang="en-US" dirty="0"/>
-          </a:p>
-          <a:p>
-            <a:r>
-              <a:rPr lang="en-US" dirty="0"/>
-              <a:t>Strings: const message = "Hello";</a:t>
-            </a:r>
-            <a:endParaRPr lang="en-US" dirty="0"/>
-          </a:p>
-          <a:p>
-            <a:r>
-              <a:rPr lang="en-US" dirty="0"/>
-              <a:t>Booleans: const </a:t>
-            </a:r>
-            <a:r>
-              <a:rPr lang="en-US" dirty="0" err="1"/>
-              <a:t>isValid</a:t>
-            </a:r>
-            <a:r>
-              <a:rPr lang="en-US" dirty="0"/>
-              <a:t> = true;</a:t>
-            </a:r>
-            <a:endParaRPr lang="en-US" dirty="0"/>
+          <a:p>
+            <a:r>
+              <a:rPr lang="en-US" dirty="0"/>
+              <a:t>A mutable object or data can be modified after its creation.</a:t>
+            </a:r>
+          </a:p>
+          <a:p>
+            <a:r>
+              <a:rPr lang="en-US" dirty="0"/>
+              <a:t>Any changes made to a mutable object will directly affect its state, without creating a new object.</a:t>
+            </a:r>
+          </a:p>
+          <a:p>
+            <a:r>
+              <a:rPr lang="en-US" dirty="0"/>
+              <a:t>Mutable objects can be modified in place, which means the same object can be changed with new values or properties.</a:t>
+            </a:r>
+          </a:p>
+          <a:p>
+            <a:r>
+              <a:rPr lang="en-US" dirty="0"/>
+              <a:t>Examples of mutable data types in JavaScript include objects and arrays. You can add, remove, or modify their properties or elements directly.</a:t>
+            </a:r>
           </a:p>
         </p:txBody>
       </p:sp>
@@ -7991,75 +7734,73 @@
           <a:bodyPr/>
           <a:lstStyle/>
           <a:p>
-            <a:r>
-              <a:rPr lang="en-US" dirty="0"/>
-              <a:t>Mutable</a:t>
-            </a:r>
+            <a:pPr fontAlgn="base"/>
+            <a:r>
+              <a:rPr lang="en-US" dirty="0"/>
+              <a:t>Variable Scope</a:t>
+            </a:r>
+          </a:p>
+        </p:txBody>
+      </p:sp>
+      <p:sp>
+        <p:nvSpPr>
+          <p:cNvPr id="5" name="Content Placeholder 4"/>
+          <p:cNvSpPr>
+            <a:spLocks noGrp="1"/>
+          </p:cNvSpPr>
+          <p:nvPr>
+            <p:ph idx="1"/>
+          </p:nvPr>
+        </p:nvSpPr>
+        <p:spPr/>
+        <p:txBody>
+          <a:bodyPr>
+            <a:normAutofit/>
+          </a:bodyPr>
+          <a:lstStyle/>
+          <a:p>
+            <a:pPr marL="0" indent="0">
+              <a:buNone/>
+            </a:pPr>
             <a:r>
               <a:rPr lang="en-US" b="1" dirty="0"/>
-              <a:t> </a:t>
-            </a:r>
-            <a:r>
-              <a:rPr lang="en-US" dirty="0"/>
-              <a:t>Datatype</a:t>
-            </a:r>
-            <a:endParaRPr lang="en-US" dirty="0"/>
-          </a:p>
-        </p:txBody>
-      </p:sp>
-      <p:sp>
-        <p:nvSpPr>
-          <p:cNvPr id="5" name="Content Placeholder 4"/>
-          <p:cNvSpPr>
-            <a:spLocks noGrp="1"/>
-          </p:cNvSpPr>
-          <p:nvPr>
-            <p:ph idx="1"/>
-          </p:nvPr>
-        </p:nvSpPr>
-        <p:spPr/>
-        <p:txBody>
-          <a:bodyPr>
-            <a:normAutofit fontScale="92500" lnSpcReduction="10000"/>
-          </a:bodyPr>
-          <a:lstStyle/>
+              <a:t>Output:</a:t>
+            </a:r>
+          </a:p>
           <a:p>
             <a:pPr marL="0" indent="0">
               <a:buNone/>
             </a:pPr>
             <a:r>
-              <a:rPr lang="en-US" b="1" dirty="0"/>
-              <a:t>Mutable:</a:t>
-            </a:r>
-            <a:endParaRPr lang="en-US" dirty="0"/>
-          </a:p>
-          <a:p>
-            <a:r>
-              <a:rPr lang="en-US" dirty="0"/>
-              <a:t>A mutable object or data can be modified after its creation.</a:t>
-            </a:r>
-            <a:endParaRPr lang="en-US" dirty="0"/>
-          </a:p>
-          <a:p>
-            <a:r>
-              <a:rPr lang="en-US" dirty="0"/>
-              <a:t>Any changes made to a mutable object will directly affect its state, without creating a new object.</a:t>
-            </a:r>
-            <a:endParaRPr lang="en-US" dirty="0"/>
-          </a:p>
-          <a:p>
-            <a:r>
-              <a:rPr lang="en-US" dirty="0"/>
-              <a:t>Mutable objects can be modified in place, which means the same object can be changed with new values or properties.</a:t>
-            </a:r>
-            <a:endParaRPr lang="en-US" dirty="0"/>
-          </a:p>
-          <a:p>
-            <a:r>
-              <a:rPr lang="en-US" dirty="0"/>
-              <a:t>Examples of mutable data types in JavaScript include objects and arrays. You can add, remove, or modify their properties or elements directly.</a:t>
-            </a:r>
-            <a:endParaRPr lang="en-US" dirty="0"/>
+              <a:rPr lang="en-US" dirty="0"/>
+              <a:t>This is a global variable</a:t>
+            </a:r>
+          </a:p>
+          <a:p>
+            <a:pPr marL="0" indent="0">
+              <a:buNone/>
+            </a:pPr>
+            <a:r>
+              <a:rPr lang="en-US" dirty="0"/>
+              <a:t>This is a local variable</a:t>
+            </a:r>
+          </a:p>
+          <a:p>
+            <a:pPr marL="0" indent="0">
+              <a:buNone/>
+            </a:pPr>
+            <a:r>
+              <a:rPr lang="en-US" dirty="0"/>
+              <a:t>Uncaught reference error: </a:t>
+            </a:r>
+            <a:r>
+              <a:rPr lang="en-US" dirty="0" err="1"/>
+              <a:t>localVar</a:t>
+            </a:r>
+            <a:r>
+              <a:rPr lang="en-US" dirty="0"/>
+              <a:t> is not defined</a:t>
+            </a:r>
           </a:p>
         </p:txBody>
       </p:sp>
@@ -8100,121 +7841,464 @@
         </p:nvSpPr>
         <p:spPr/>
         <p:txBody>
-          <a:bodyPr/>
-          <a:lstStyle/>
-          <a:p>
-            <a:r>
-              <a:rPr lang="en-US" dirty="0"/>
-              <a:t>Mutable</a:t>
-            </a:r>
-            <a:r>
-              <a:rPr lang="en-US" b="1" dirty="0"/>
-              <a:t> </a:t>
-            </a:r>
-            <a:r>
-              <a:rPr lang="en-US" dirty="0"/>
-              <a:t>Datatype</a:t>
-            </a:r>
-            <a:endParaRPr lang="en-US" dirty="0"/>
-          </a:p>
-        </p:txBody>
-      </p:sp>
-      <p:sp>
-        <p:nvSpPr>
-          <p:cNvPr id="5" name="Content Placeholder 4"/>
-          <p:cNvSpPr>
-            <a:spLocks noGrp="1"/>
-          </p:cNvSpPr>
+          <a:bodyPr>
+            <a:normAutofit/>
+          </a:bodyPr>
+          <a:lstStyle/>
+          <a:p>
+            <a:r>
+              <a:rPr lang="en-US" dirty="0"/>
+              <a:t>Arithmetic Operators</a:t>
+            </a:r>
+          </a:p>
+        </p:txBody>
+      </p:sp>
+      <p:graphicFrame>
+        <p:nvGraphicFramePr>
+          <p:cNvPr id="4" name="Content Placeholder 3"/>
+          <p:cNvGraphicFramePr>
+            <a:graphicFrameLocks noGrp="1"/>
+          </p:cNvGraphicFramePr>
           <p:nvPr>
             <p:ph idx="1"/>
           </p:nvPr>
-        </p:nvSpPr>
-        <p:spPr/>
-        <p:txBody>
-          <a:bodyPr>
-            <a:normAutofit fontScale="90000" lnSpcReduction="20000"/>
-          </a:bodyPr>
-          <a:lstStyle/>
-          <a:p>
-            <a:pPr marL="0" indent="0">
-              <a:buNone/>
-            </a:pPr>
-            <a:r>
-              <a:rPr lang="en-US" b="1" dirty="0"/>
-              <a:t>Mutable:</a:t>
-            </a:r>
-            <a:endParaRPr lang="en-US" dirty="0"/>
-          </a:p>
-          <a:p>
-            <a:r>
-              <a:rPr lang="en-US" dirty="0"/>
-              <a:t>Object: const person = {</a:t>
-            </a:r>
-            <a:endParaRPr lang="en-US" dirty="0"/>
-          </a:p>
-          <a:p>
-            <a:pPr marL="0" indent="0">
-              <a:buNone/>
-            </a:pPr>
-            <a:r>
-              <a:rPr lang="en-US" dirty="0"/>
-              <a:t> name: "John",</a:t>
-            </a:r>
-            <a:endParaRPr lang="en-US" dirty="0"/>
-          </a:p>
-          <a:p>
-            <a:pPr marL="0" indent="0">
-              <a:buNone/>
-            </a:pPr>
-            <a:r>
-              <a:rPr lang="en-US" dirty="0"/>
-              <a:t>age: 30,</a:t>
-            </a:r>
-            <a:endParaRPr lang="en-US" dirty="0"/>
-          </a:p>
-          <a:p>
-            <a:pPr marL="0" indent="0">
-              <a:buNone/>
-            </a:pPr>
-            <a:r>
-              <a:rPr lang="en-US" dirty="0"/>
-              <a:t>};</a:t>
-            </a:r>
-            <a:endParaRPr lang="en-US" dirty="0"/>
-          </a:p>
-          <a:p>
-            <a:pPr marL="0" indent="0">
-              <a:buNone/>
-            </a:pPr>
-            <a:r>
-              <a:rPr lang="en-US"/>
-              <a:t>person.name</a:t>
-            </a:r>
-            <a:r>
-              <a:rPr lang="en-US" dirty="0"/>
-              <a:t>=”Ram”</a:t>
-            </a:r>
-            <a:endParaRPr lang="en-US" dirty="0"/>
-          </a:p>
-          <a:p>
-            <a:pPr marL="0" indent="0">
-              <a:buNone/>
-            </a:pPr>
-            <a:r>
-              <a:rPr lang="en-US" dirty="0"/>
-              <a:t>document.write(a.toUpperCase())</a:t>
-            </a:r>
-            <a:endParaRPr lang="en-US" dirty="0"/>
-          </a:p>
-          <a:p>
-            <a:r>
-              <a:rPr lang="en-US" dirty="0"/>
-              <a:t>Array : const numbers = [1, 2, 3, 4, 5];</a:t>
-            </a:r>
-            <a:endParaRPr lang="en-US" dirty="0"/>
-          </a:p>
-        </p:txBody>
-      </p:sp>
+        </p:nvGraphicFramePr>
+        <p:xfrm>
+          <a:off x="1295400" y="2534919"/>
+          <a:ext cx="9601200" cy="3596640"/>
+        </p:xfrm>
+        <a:graphic>
+          <a:graphicData uri="http://schemas.openxmlformats.org/drawingml/2006/table">
+            <a:tbl>
+              <a:tblPr firstRow="1" bandRow="1">
+                <a:tableStyleId>{5C22544A-7EE6-4342-B048-85BDC9FD1C3A}</a:tableStyleId>
+              </a:tblPr>
+              <a:tblGrid>
+                <a:gridCol w="4800600">
+                  <a:extLst>
+                    <a:ext uri="{9D8B030D-6E8A-4147-A177-3AD203B41FA5}">
+                      <a16:colId xmlns:a16="http://schemas.microsoft.com/office/drawing/2014/main" val="20000"/>
+                    </a:ext>
+                  </a:extLst>
+                </a:gridCol>
+                <a:gridCol w="4800600">
+                  <a:extLst>
+                    <a:ext uri="{9D8B030D-6E8A-4147-A177-3AD203B41FA5}">
+                      <a16:colId xmlns:a16="http://schemas.microsoft.com/office/drawing/2014/main" val="20001"/>
+                    </a:ext>
+                  </a:extLst>
+                </a:gridCol>
+              </a:tblGrid>
+              <a:tr h="0">
+                <a:tc>
+                  <a:txBody>
+                    <a:bodyPr/>
+                    <a:lstStyle/>
+                    <a:p>
+                      <a:pPr algn="l" fontAlgn="t"/>
+                      <a:r>
+                        <a:rPr lang="en-US" dirty="0">
+                          <a:effectLst/>
+                        </a:rPr>
+                        <a:t>Operator</a:t>
+                      </a:r>
+                    </a:p>
+                  </a:txBody>
+                  <a:tcPr marL="152400" marR="76200" marT="76200" marB="76200"/>
+                </a:tc>
+                <a:tc>
+                  <a:txBody>
+                    <a:bodyPr/>
+                    <a:lstStyle/>
+                    <a:p>
+                      <a:pPr algn="l" fontAlgn="t"/>
+                      <a:r>
+                        <a:rPr lang="en-US">
+                          <a:effectLst/>
+                        </a:rPr>
+                        <a:t>Description</a:t>
+                      </a:r>
+                    </a:p>
+                  </a:txBody>
+                  <a:tcPr marL="76200" marR="76200" marT="76200" marB="76200"/>
+                </a:tc>
+                <a:extLst>
+                  <a:ext uri="{0D108BD9-81ED-4DB2-BD59-A6C34878D82A}">
+                    <a16:rowId xmlns:a16="http://schemas.microsoft.com/office/drawing/2014/main" val="10000"/>
+                  </a:ext>
+                </a:extLst>
+              </a:tr>
+              <a:tr h="366395">
+                <a:tc>
+                  <a:txBody>
+                    <a:bodyPr/>
+                    <a:lstStyle/>
+                    <a:p>
+                      <a:pPr algn="l" fontAlgn="t"/>
+                      <a:r>
+                        <a:rPr lang="en-US" sz="1600">
+                          <a:solidFill>
+                            <a:schemeClr val="tx1"/>
+                          </a:solidFill>
+                          <a:effectLst/>
+                        </a:rPr>
+                        <a:t>+</a:t>
+                      </a:r>
+                    </a:p>
+                  </a:txBody>
+                  <a:tcPr marL="152400" marR="76200" marT="76200" marB="76200"/>
+                </a:tc>
+                <a:tc>
+                  <a:txBody>
+                    <a:bodyPr/>
+                    <a:lstStyle/>
+                    <a:p>
+                      <a:pPr algn="l" fontAlgn="t"/>
+                      <a:r>
+                        <a:rPr lang="en-US" sz="1600" dirty="0">
+                          <a:solidFill>
+                            <a:schemeClr val="tx1"/>
+                          </a:solidFill>
+                          <a:effectLst/>
+                        </a:rPr>
+                        <a:t>Addition</a:t>
+                      </a:r>
+                    </a:p>
+                  </a:txBody>
+                  <a:tcPr marL="76200" marR="76200" marT="76200" marB="76200"/>
+                </a:tc>
+                <a:extLst>
+                  <a:ext uri="{0D108BD9-81ED-4DB2-BD59-A6C34878D82A}">
+                    <a16:rowId xmlns:a16="http://schemas.microsoft.com/office/drawing/2014/main" val="10001"/>
+                  </a:ext>
+                </a:extLst>
+              </a:tr>
+              <a:tr h="366395">
+                <a:tc>
+                  <a:txBody>
+                    <a:bodyPr/>
+                    <a:lstStyle/>
+                    <a:p>
+                      <a:pPr algn="l" fontAlgn="t"/>
+                      <a:r>
+                        <a:rPr lang="en-US" sz="1600" dirty="0">
+                          <a:solidFill>
+                            <a:schemeClr val="tx1"/>
+                          </a:solidFill>
+                          <a:effectLst/>
+                        </a:rPr>
+                        <a:t>-</a:t>
+                      </a:r>
+                    </a:p>
+                  </a:txBody>
+                  <a:tcPr marL="152400" marR="76200" marT="76200" marB="76200"/>
+                </a:tc>
+                <a:tc>
+                  <a:txBody>
+                    <a:bodyPr/>
+                    <a:lstStyle/>
+                    <a:p>
+                      <a:pPr algn="l" fontAlgn="t"/>
+                      <a:r>
+                        <a:rPr lang="en-US" sz="1600" dirty="0">
+                          <a:solidFill>
+                            <a:schemeClr val="tx1"/>
+                          </a:solidFill>
+                          <a:effectLst/>
+                        </a:rPr>
+                        <a:t>Subtraction</a:t>
+                      </a:r>
+                    </a:p>
+                  </a:txBody>
+                  <a:tcPr marL="76200" marR="76200" marT="76200" marB="76200"/>
+                </a:tc>
+                <a:extLst>
+                  <a:ext uri="{0D108BD9-81ED-4DB2-BD59-A6C34878D82A}">
+                    <a16:rowId xmlns:a16="http://schemas.microsoft.com/office/drawing/2014/main" val="10002"/>
+                  </a:ext>
+                </a:extLst>
+              </a:tr>
+              <a:tr h="366395">
+                <a:tc>
+                  <a:txBody>
+                    <a:bodyPr/>
+                    <a:lstStyle/>
+                    <a:p>
+                      <a:pPr algn="l" fontAlgn="t"/>
+                      <a:r>
+                        <a:rPr lang="en-US" sz="1600" dirty="0">
+                          <a:solidFill>
+                            <a:schemeClr val="tx1"/>
+                          </a:solidFill>
+                          <a:effectLst/>
+                        </a:rPr>
+                        <a:t>*</a:t>
+                      </a:r>
+                    </a:p>
+                  </a:txBody>
+                  <a:tcPr marL="152400" marR="76200" marT="76200" marB="76200"/>
+                </a:tc>
+                <a:tc>
+                  <a:txBody>
+                    <a:bodyPr/>
+                    <a:lstStyle/>
+                    <a:p>
+                      <a:pPr algn="l" fontAlgn="t"/>
+                      <a:r>
+                        <a:rPr lang="en-US" sz="1600" dirty="0">
+                          <a:solidFill>
+                            <a:schemeClr val="tx1"/>
+                          </a:solidFill>
+                          <a:effectLst/>
+                        </a:rPr>
+                        <a:t>Multiplication</a:t>
+                      </a:r>
+                    </a:p>
+                  </a:txBody>
+                  <a:tcPr marL="76200" marR="76200" marT="76200" marB="76200"/>
+                </a:tc>
+                <a:extLst>
+                  <a:ext uri="{0D108BD9-81ED-4DB2-BD59-A6C34878D82A}">
+                    <a16:rowId xmlns:a16="http://schemas.microsoft.com/office/drawing/2014/main" val="10003"/>
+                  </a:ext>
+                </a:extLst>
+              </a:tr>
+              <a:tr h="366395">
+                <a:tc>
+                  <a:txBody>
+                    <a:bodyPr/>
+                    <a:lstStyle/>
+                    <a:p>
+                      <a:pPr algn="l" fontAlgn="t"/>
+                      <a:r>
+                        <a:rPr lang="en-US" sz="1600" dirty="0">
+                          <a:solidFill>
+                            <a:schemeClr val="tx1"/>
+                          </a:solidFill>
+                          <a:effectLst/>
+                        </a:rPr>
+                        <a:t>**</a:t>
+                      </a:r>
+                    </a:p>
+                  </a:txBody>
+                  <a:tcPr marL="152400" marR="76200" marT="76200" marB="76200"/>
+                </a:tc>
+                <a:tc>
+                  <a:txBody>
+                    <a:bodyPr/>
+                    <a:lstStyle/>
+                    <a:p>
+                      <a:pPr algn="l" fontAlgn="t"/>
+                      <a:r>
+                        <a:rPr lang="en-US" sz="1600" dirty="0">
+                          <a:solidFill>
+                            <a:schemeClr val="tx1"/>
+                          </a:solidFill>
+                          <a:effectLst/>
+                        </a:rPr>
+                        <a:t>Exponentiation (</a:t>
+                      </a:r>
+                      <a:r>
+                        <a:rPr lang="en-US" sz="1600" dirty="0">
+                          <a:solidFill>
+                            <a:schemeClr val="tx1"/>
+                          </a:solidFill>
+                          <a:effectLst/>
+                          <a:hlinkClick r:id="rId2"/>
+                        </a:rPr>
+                        <a:t>ES2016</a:t>
+                      </a:r>
+                      <a:r>
+                        <a:rPr lang="en-US" sz="1600" dirty="0">
+                          <a:solidFill>
+                            <a:schemeClr val="tx1"/>
+                          </a:solidFill>
+                          <a:effectLst/>
+                        </a:rPr>
+                        <a:t>)</a:t>
+                      </a:r>
+                    </a:p>
+                  </a:txBody>
+                  <a:tcPr marL="76200" marR="76200" marT="76200" marB="76200"/>
+                </a:tc>
+                <a:extLst>
+                  <a:ext uri="{0D108BD9-81ED-4DB2-BD59-A6C34878D82A}">
+                    <a16:rowId xmlns:a16="http://schemas.microsoft.com/office/drawing/2014/main" val="10004"/>
+                  </a:ext>
+                </a:extLst>
+              </a:tr>
+              <a:tr h="366395">
+                <a:tc>
+                  <a:txBody>
+                    <a:bodyPr/>
+                    <a:lstStyle/>
+                    <a:p>
+                      <a:pPr algn="l" fontAlgn="t"/>
+                      <a:r>
+                        <a:rPr lang="en-US" sz="1600" dirty="0">
+                          <a:solidFill>
+                            <a:schemeClr val="tx1"/>
+                          </a:solidFill>
+                          <a:effectLst/>
+                        </a:rPr>
+                        <a:t>/</a:t>
+                      </a:r>
+                    </a:p>
+                  </a:txBody>
+                  <a:tcPr marL="152400" marR="76200" marT="76200" marB="76200"/>
+                </a:tc>
+                <a:tc>
+                  <a:txBody>
+                    <a:bodyPr/>
+                    <a:lstStyle/>
+                    <a:p>
+                      <a:pPr algn="l" fontAlgn="t"/>
+                      <a:r>
+                        <a:rPr lang="en-US" sz="1600" dirty="0">
+                          <a:solidFill>
+                            <a:schemeClr val="tx1"/>
+                          </a:solidFill>
+                          <a:effectLst/>
+                        </a:rPr>
+                        <a:t>Division</a:t>
+                      </a:r>
+                    </a:p>
+                  </a:txBody>
+                  <a:tcPr marL="76200" marR="76200" marT="76200" marB="76200"/>
+                </a:tc>
+                <a:extLst>
+                  <a:ext uri="{0D108BD9-81ED-4DB2-BD59-A6C34878D82A}">
+                    <a16:rowId xmlns:a16="http://schemas.microsoft.com/office/drawing/2014/main" val="10005"/>
+                  </a:ext>
+                </a:extLst>
+              </a:tr>
+              <a:tr h="366395">
+                <a:tc>
+                  <a:txBody>
+                    <a:bodyPr/>
+                    <a:lstStyle/>
+                    <a:p>
+                      <a:pPr algn="l" fontAlgn="t"/>
+                      <a:r>
+                        <a:rPr lang="en-US" sz="1600" dirty="0">
+                          <a:solidFill>
+                            <a:schemeClr val="tx1"/>
+                          </a:solidFill>
+                          <a:effectLst/>
+                        </a:rPr>
+                        <a:t>%</a:t>
+                      </a:r>
+                    </a:p>
+                  </a:txBody>
+                  <a:tcPr marL="152400" marR="76200" marT="76200" marB="76200"/>
+                </a:tc>
+                <a:tc>
+                  <a:txBody>
+                    <a:bodyPr/>
+                    <a:lstStyle/>
+                    <a:p>
+                      <a:pPr algn="l" fontAlgn="t"/>
+                      <a:r>
+                        <a:rPr lang="en-US" sz="1600" dirty="0">
+                          <a:solidFill>
+                            <a:schemeClr val="tx1"/>
+                          </a:solidFill>
+                          <a:effectLst/>
+                        </a:rPr>
+                        <a:t>Modulus (Division Remainder)</a:t>
+                      </a:r>
+                    </a:p>
+                  </a:txBody>
+                  <a:tcPr marL="76200" marR="76200" marT="76200" marB="76200"/>
+                </a:tc>
+                <a:extLst>
+                  <a:ext uri="{0D108BD9-81ED-4DB2-BD59-A6C34878D82A}">
+                    <a16:rowId xmlns:a16="http://schemas.microsoft.com/office/drawing/2014/main" val="10006"/>
+                  </a:ext>
+                </a:extLst>
+              </a:tr>
+              <a:tr h="366395">
+                <a:tc>
+                  <a:txBody>
+                    <a:bodyPr/>
+                    <a:lstStyle/>
+                    <a:p>
+                      <a:pPr algn="l" fontAlgn="t"/>
+                      <a:r>
+                        <a:rPr lang="en-US" sz="1600">
+                          <a:effectLst/>
+                        </a:rPr>
+                        <a:t>++</a:t>
+                      </a:r>
+                    </a:p>
+                  </a:txBody>
+                  <a:tcPr marL="152400" marR="76200" marT="76200" marB="76200"/>
+                </a:tc>
+                <a:tc>
+                  <a:txBody>
+                    <a:bodyPr/>
+                    <a:lstStyle/>
+                    <a:p>
+                      <a:pPr algn="l" fontAlgn="t"/>
+                      <a:r>
+                        <a:rPr lang="en-US" sz="1600" dirty="0">
+                          <a:effectLst/>
+                        </a:rPr>
+                        <a:t>Increment</a:t>
+                      </a:r>
+                    </a:p>
+                  </a:txBody>
+                  <a:tcPr marL="76200" marR="76200" marT="76200" marB="76200"/>
+                </a:tc>
+                <a:extLst>
+                  <a:ext uri="{0D108BD9-81ED-4DB2-BD59-A6C34878D82A}">
+                    <a16:rowId xmlns:a16="http://schemas.microsoft.com/office/drawing/2014/main" val="10007"/>
+                  </a:ext>
+                </a:extLst>
+              </a:tr>
+              <a:tr h="366395">
+                <a:tc>
+                  <a:txBody>
+                    <a:bodyPr/>
+                    <a:lstStyle/>
+                    <a:p>
+                      <a:pPr algn="l" fontAlgn="t"/>
+                      <a:r>
+                        <a:rPr lang="en-US" sz="1600">
+                          <a:effectLst/>
+                        </a:rPr>
+                        <a:t>--</a:t>
+                      </a:r>
+                    </a:p>
+                  </a:txBody>
+                  <a:tcPr marL="152400" marR="76200" marT="76200" marB="76200"/>
+                </a:tc>
+                <a:tc>
+                  <a:txBody>
+                    <a:bodyPr/>
+                    <a:lstStyle/>
+                    <a:p>
+                      <a:pPr algn="l" fontAlgn="t"/>
+                      <a:r>
+                        <a:rPr lang="en-US" sz="1600" dirty="0">
+                          <a:effectLst/>
+                        </a:rPr>
+                        <a:t>Decrement</a:t>
+                      </a:r>
+                    </a:p>
+                  </a:txBody>
+                  <a:tcPr marL="76200" marR="76200" marT="76200" marB="76200"/>
+                </a:tc>
+                <a:extLst>
+                  <a:ext uri="{0D108BD9-81ED-4DB2-BD59-A6C34878D82A}">
+                    <a16:rowId xmlns:a16="http://schemas.microsoft.com/office/drawing/2014/main" val="10008"/>
+                  </a:ext>
+                </a:extLst>
+              </a:tr>
+            </a:tbl>
+          </a:graphicData>
+        </a:graphic>
+      </p:graphicFrame>
     </p:spTree>
   </p:cSld>
   <p:clrMapOvr>
@@ -8252,58 +8336,505 @@
         </p:nvSpPr>
         <p:spPr/>
         <p:txBody>
-          <a:bodyPr/>
-          <a:lstStyle/>
-          <a:p>
-            <a:pPr fontAlgn="base"/>
-            <a:r>
-              <a:rPr lang="en-US" dirty="0"/>
-              <a:t>Variable Scope</a:t>
-            </a:r>
-            <a:endParaRPr lang="en-US" dirty="0"/>
-          </a:p>
-        </p:txBody>
-      </p:sp>
-      <p:sp>
-        <p:nvSpPr>
-          <p:cNvPr id="5" name="Content Placeholder 4"/>
-          <p:cNvSpPr>
-            <a:spLocks noGrp="1"/>
-          </p:cNvSpPr>
-          <p:nvPr>
-            <p:ph idx="1"/>
-          </p:nvPr>
-        </p:nvSpPr>
-        <p:spPr/>
-        <p:txBody>
           <a:bodyPr>
             <a:normAutofit/>
           </a:bodyPr>
           <a:lstStyle/>
           <a:p>
             <a:r>
-              <a:rPr lang="en-US" b="1" dirty="0"/>
-              <a:t>Global Scope </a:t>
-            </a:r>
-            <a:r>
-              <a:rPr lang="en-US" dirty="0"/>
-              <a:t>– Scope outside the outermost function(we will discuss functions in detail in other article) attached to Window.</a:t>
-            </a:r>
-            <a:endParaRPr lang="en-US" dirty="0"/>
-          </a:p>
-          <a:p>
-            <a:r>
-              <a:rPr lang="en-US" b="1" dirty="0"/>
-              <a:t>Local Scope </a:t>
-            </a:r>
-            <a:r>
-              <a:rPr lang="en-US" dirty="0"/>
-              <a:t>– Inside the function being executed.</a:t>
-            </a:r>
-            <a:endParaRPr lang="en-US" dirty="0"/>
-          </a:p>
-        </p:txBody>
-      </p:sp>
+              <a:rPr lang="en-US" dirty="0"/>
+              <a:t>Assignment Operators</a:t>
+            </a:r>
+          </a:p>
+        </p:txBody>
+      </p:sp>
+      <p:graphicFrame>
+        <p:nvGraphicFramePr>
+          <p:cNvPr id="4" name="Content Placeholder 3"/>
+          <p:cNvGraphicFramePr>
+            <a:graphicFrameLocks noGrp="1"/>
+          </p:cNvGraphicFramePr>
+          <p:nvPr>
+            <p:ph idx="1"/>
+          </p:nvPr>
+        </p:nvGraphicFramePr>
+        <p:xfrm>
+          <a:off x="1500187" y="2534919"/>
+          <a:ext cx="9396413" cy="3413760"/>
+        </p:xfrm>
+        <a:graphic>
+          <a:graphicData uri="http://schemas.openxmlformats.org/drawingml/2006/table">
+            <a:tbl>
+              <a:tblPr firstRow="1" bandRow="1">
+                <a:tableStyleId>{5C22544A-7EE6-4342-B048-85BDC9FD1C3A}</a:tableStyleId>
+              </a:tblPr>
+              <a:tblGrid>
+                <a:gridCol w="2995613">
+                  <a:extLst>
+                    <a:ext uri="{9D8B030D-6E8A-4147-A177-3AD203B41FA5}">
+                      <a16:colId xmlns:a16="http://schemas.microsoft.com/office/drawing/2014/main" val="20000"/>
+                    </a:ext>
+                  </a:extLst>
+                </a:gridCol>
+                <a:gridCol w="3200400">
+                  <a:extLst>
+                    <a:ext uri="{9D8B030D-6E8A-4147-A177-3AD203B41FA5}">
+                      <a16:colId xmlns:a16="http://schemas.microsoft.com/office/drawing/2014/main" val="20001"/>
+                    </a:ext>
+                  </a:extLst>
+                </a:gridCol>
+                <a:gridCol w="3200400">
+                  <a:extLst>
+                    <a:ext uri="{9D8B030D-6E8A-4147-A177-3AD203B41FA5}">
+                      <a16:colId xmlns:a16="http://schemas.microsoft.com/office/drawing/2014/main" val="20002"/>
+                    </a:ext>
+                  </a:extLst>
+                </a:gridCol>
+              </a:tblGrid>
+              <a:tr h="0">
+                <a:tc>
+                  <a:txBody>
+                    <a:bodyPr/>
+                    <a:lstStyle/>
+                    <a:p>
+                      <a:pPr algn="l" fontAlgn="t"/>
+                      <a:r>
+                        <a:rPr lang="en-US">
+                          <a:effectLst/>
+                        </a:rPr>
+                        <a:t>Operator</a:t>
+                      </a:r>
+                    </a:p>
+                  </a:txBody>
+                  <a:tcPr marL="152400" marR="76200" marT="76200" marB="76200"/>
+                </a:tc>
+                <a:tc>
+                  <a:txBody>
+                    <a:bodyPr/>
+                    <a:lstStyle/>
+                    <a:p>
+                      <a:pPr algn="l" fontAlgn="t"/>
+                      <a:r>
+                        <a:rPr lang="en-US">
+                          <a:effectLst/>
+                        </a:rPr>
+                        <a:t>Example</a:t>
+                      </a:r>
+                    </a:p>
+                  </a:txBody>
+                  <a:tcPr marL="76200" marR="76200" marT="76200" marB="76200"/>
+                </a:tc>
+                <a:tc>
+                  <a:txBody>
+                    <a:bodyPr/>
+                    <a:lstStyle/>
+                    <a:p>
+                      <a:pPr algn="l" fontAlgn="t"/>
+                      <a:r>
+                        <a:rPr lang="en-US">
+                          <a:effectLst/>
+                        </a:rPr>
+                        <a:t>Same As</a:t>
+                      </a:r>
+                    </a:p>
+                  </a:txBody>
+                  <a:tcPr marL="76200" marR="76200" marT="76200" marB="76200"/>
+                </a:tc>
+                <a:extLst>
+                  <a:ext uri="{0D108BD9-81ED-4DB2-BD59-A6C34878D82A}">
+                    <a16:rowId xmlns:a16="http://schemas.microsoft.com/office/drawing/2014/main" val="10000"/>
+                  </a:ext>
+                </a:extLst>
+              </a:tr>
+              <a:tr h="366395">
+                <a:tc>
+                  <a:txBody>
+                    <a:bodyPr/>
+                    <a:lstStyle/>
+                    <a:p>
+                      <a:pPr algn="l" fontAlgn="t"/>
+                      <a:r>
+                        <a:rPr lang="en-US">
+                          <a:effectLst/>
+                        </a:rPr>
+                        <a:t>=</a:t>
+                      </a:r>
+                    </a:p>
+                  </a:txBody>
+                  <a:tcPr marL="152400" marR="76200" marT="76200" marB="76200"/>
+                </a:tc>
+                <a:tc>
+                  <a:txBody>
+                    <a:bodyPr/>
+                    <a:lstStyle/>
+                    <a:p>
+                      <a:pPr algn="l" fontAlgn="t"/>
+                      <a:r>
+                        <a:rPr lang="en-US">
+                          <a:effectLst/>
+                        </a:rPr>
+                        <a:t>x = y</a:t>
+                      </a:r>
+                    </a:p>
+                  </a:txBody>
+                  <a:tcPr marL="76200" marR="76200" marT="76200" marB="76200"/>
+                </a:tc>
+                <a:tc>
+                  <a:txBody>
+                    <a:bodyPr/>
+                    <a:lstStyle/>
+                    <a:p>
+                      <a:pPr algn="l" fontAlgn="t"/>
+                      <a:r>
+                        <a:rPr lang="en-US">
+                          <a:effectLst/>
+                        </a:rPr>
+                        <a:t>x = y</a:t>
+                      </a:r>
+                    </a:p>
+                  </a:txBody>
+                  <a:tcPr marL="76200" marR="76200" marT="76200" marB="76200"/>
+                </a:tc>
+                <a:extLst>
+                  <a:ext uri="{0D108BD9-81ED-4DB2-BD59-A6C34878D82A}">
+                    <a16:rowId xmlns:a16="http://schemas.microsoft.com/office/drawing/2014/main" val="10001"/>
+                  </a:ext>
+                </a:extLst>
+              </a:tr>
+              <a:tr h="366395">
+                <a:tc>
+                  <a:txBody>
+                    <a:bodyPr/>
+                    <a:lstStyle/>
+                    <a:p>
+                      <a:pPr algn="l" fontAlgn="t"/>
+                      <a:r>
+                        <a:rPr lang="en-US">
+                          <a:effectLst/>
+                        </a:rPr>
+                        <a:t>+=</a:t>
+                      </a:r>
+                    </a:p>
+                  </a:txBody>
+                  <a:tcPr marL="152400" marR="76200" marT="76200" marB="76200"/>
+                </a:tc>
+                <a:tc>
+                  <a:txBody>
+                    <a:bodyPr/>
+                    <a:lstStyle/>
+                    <a:p>
+                      <a:pPr algn="l" fontAlgn="t"/>
+                      <a:r>
+                        <a:rPr lang="en-US">
+                          <a:effectLst/>
+                        </a:rPr>
+                        <a:t>x += y</a:t>
+                      </a:r>
+                    </a:p>
+                  </a:txBody>
+                  <a:tcPr marL="76200" marR="76200" marT="76200" marB="76200"/>
+                </a:tc>
+                <a:tc>
+                  <a:txBody>
+                    <a:bodyPr/>
+                    <a:lstStyle/>
+                    <a:p>
+                      <a:pPr algn="l" fontAlgn="t"/>
+                      <a:r>
+                        <a:rPr lang="en-US">
+                          <a:effectLst/>
+                        </a:rPr>
+                        <a:t>x = x + y</a:t>
+                      </a:r>
+                    </a:p>
+                  </a:txBody>
+                  <a:tcPr marL="76200" marR="76200" marT="76200" marB="76200"/>
+                </a:tc>
+                <a:extLst>
+                  <a:ext uri="{0D108BD9-81ED-4DB2-BD59-A6C34878D82A}">
+                    <a16:rowId xmlns:a16="http://schemas.microsoft.com/office/drawing/2014/main" val="10002"/>
+                  </a:ext>
+                </a:extLst>
+              </a:tr>
+              <a:tr h="366395">
+                <a:tc>
+                  <a:txBody>
+                    <a:bodyPr/>
+                    <a:lstStyle/>
+                    <a:p>
+                      <a:pPr algn="l" fontAlgn="t"/>
+                      <a:r>
+                        <a:rPr lang="en-US">
+                          <a:effectLst/>
+                        </a:rPr>
+                        <a:t>-=</a:t>
+                      </a:r>
+                    </a:p>
+                  </a:txBody>
+                  <a:tcPr marL="152400" marR="76200" marT="76200" marB="76200"/>
+                </a:tc>
+                <a:tc>
+                  <a:txBody>
+                    <a:bodyPr/>
+                    <a:lstStyle/>
+                    <a:p>
+                      <a:pPr algn="l" fontAlgn="t"/>
+                      <a:r>
+                        <a:rPr lang="en-US">
+                          <a:effectLst/>
+                        </a:rPr>
+                        <a:t>x -= y</a:t>
+                      </a:r>
+                    </a:p>
+                  </a:txBody>
+                  <a:tcPr marL="76200" marR="76200" marT="76200" marB="76200"/>
+                </a:tc>
+                <a:tc>
+                  <a:txBody>
+                    <a:bodyPr/>
+                    <a:lstStyle/>
+                    <a:p>
+                      <a:pPr algn="l" fontAlgn="t"/>
+                      <a:r>
+                        <a:rPr lang="en-US">
+                          <a:effectLst/>
+                        </a:rPr>
+                        <a:t>x = x - y</a:t>
+                      </a:r>
+                    </a:p>
+                  </a:txBody>
+                  <a:tcPr marL="76200" marR="76200" marT="76200" marB="76200"/>
+                </a:tc>
+                <a:extLst>
+                  <a:ext uri="{0D108BD9-81ED-4DB2-BD59-A6C34878D82A}">
+                    <a16:rowId xmlns:a16="http://schemas.microsoft.com/office/drawing/2014/main" val="10003"/>
+                  </a:ext>
+                </a:extLst>
+              </a:tr>
+              <a:tr h="366395">
+                <a:tc>
+                  <a:txBody>
+                    <a:bodyPr/>
+                    <a:lstStyle/>
+                    <a:p>
+                      <a:pPr algn="l" fontAlgn="t"/>
+                      <a:r>
+                        <a:rPr lang="en-US">
+                          <a:effectLst/>
+                        </a:rPr>
+                        <a:t>*=</a:t>
+                      </a:r>
+                    </a:p>
+                  </a:txBody>
+                  <a:tcPr marL="152400" marR="76200" marT="76200" marB="76200"/>
+                </a:tc>
+                <a:tc>
+                  <a:txBody>
+                    <a:bodyPr/>
+                    <a:lstStyle/>
+                    <a:p>
+                      <a:pPr algn="l" fontAlgn="t"/>
+                      <a:r>
+                        <a:rPr lang="en-US">
+                          <a:effectLst/>
+                        </a:rPr>
+                        <a:t>x *= y</a:t>
+                      </a:r>
+                    </a:p>
+                  </a:txBody>
+                  <a:tcPr marL="76200" marR="76200" marT="76200" marB="76200"/>
+                </a:tc>
+                <a:tc>
+                  <a:txBody>
+                    <a:bodyPr/>
+                    <a:lstStyle/>
+                    <a:p>
+                      <a:pPr algn="l" fontAlgn="t"/>
+                      <a:r>
+                        <a:rPr lang="en-US">
+                          <a:effectLst/>
+                        </a:rPr>
+                        <a:t>x = x * y</a:t>
+                      </a:r>
+                    </a:p>
+                  </a:txBody>
+                  <a:tcPr marL="76200" marR="76200" marT="76200" marB="76200"/>
+                </a:tc>
+                <a:extLst>
+                  <a:ext uri="{0D108BD9-81ED-4DB2-BD59-A6C34878D82A}">
+                    <a16:rowId xmlns:a16="http://schemas.microsoft.com/office/drawing/2014/main" val="10004"/>
+                  </a:ext>
+                </a:extLst>
+              </a:tr>
+              <a:tr h="366395">
+                <a:tc>
+                  <a:txBody>
+                    <a:bodyPr/>
+                    <a:lstStyle/>
+                    <a:p>
+                      <a:pPr algn="l" fontAlgn="t"/>
+                      <a:r>
+                        <a:rPr lang="en-US">
+                          <a:effectLst/>
+                        </a:rPr>
+                        <a:t>/=</a:t>
+                      </a:r>
+                    </a:p>
+                  </a:txBody>
+                  <a:tcPr marL="152400" marR="76200" marT="76200" marB="76200"/>
+                </a:tc>
+                <a:tc>
+                  <a:txBody>
+                    <a:bodyPr/>
+                    <a:lstStyle/>
+                    <a:p>
+                      <a:pPr algn="l" fontAlgn="t"/>
+                      <a:r>
+                        <a:rPr lang="en-US">
+                          <a:effectLst/>
+                        </a:rPr>
+                        <a:t>x /= y</a:t>
+                      </a:r>
+                    </a:p>
+                  </a:txBody>
+                  <a:tcPr marL="76200" marR="76200" marT="76200" marB="76200"/>
+                </a:tc>
+                <a:tc>
+                  <a:txBody>
+                    <a:bodyPr/>
+                    <a:lstStyle/>
+                    <a:p>
+                      <a:pPr algn="l" fontAlgn="t"/>
+                      <a:r>
+                        <a:rPr lang="en-US">
+                          <a:effectLst/>
+                        </a:rPr>
+                        <a:t>x = x / y</a:t>
+                      </a:r>
+                    </a:p>
+                  </a:txBody>
+                  <a:tcPr marL="76200" marR="76200" marT="76200" marB="76200"/>
+                </a:tc>
+                <a:extLst>
+                  <a:ext uri="{0D108BD9-81ED-4DB2-BD59-A6C34878D82A}">
+                    <a16:rowId xmlns:a16="http://schemas.microsoft.com/office/drawing/2014/main" val="10005"/>
+                  </a:ext>
+                </a:extLst>
+              </a:tr>
+              <a:tr h="366395">
+                <a:tc>
+                  <a:txBody>
+                    <a:bodyPr/>
+                    <a:lstStyle/>
+                    <a:p>
+                      <a:pPr algn="l" fontAlgn="t"/>
+                      <a:r>
+                        <a:rPr lang="en-US">
+                          <a:effectLst/>
+                        </a:rPr>
+                        <a:t>%=</a:t>
+                      </a:r>
+                    </a:p>
+                  </a:txBody>
+                  <a:tcPr marL="152400" marR="76200" marT="76200" marB="76200"/>
+                </a:tc>
+                <a:tc>
+                  <a:txBody>
+                    <a:bodyPr/>
+                    <a:lstStyle/>
+                    <a:p>
+                      <a:pPr algn="l" fontAlgn="t"/>
+                      <a:r>
+                        <a:rPr lang="en-US">
+                          <a:effectLst/>
+                        </a:rPr>
+                        <a:t>x %= y</a:t>
+                      </a:r>
+                    </a:p>
+                  </a:txBody>
+                  <a:tcPr marL="76200" marR="76200" marT="76200" marB="76200"/>
+                </a:tc>
+                <a:tc>
+                  <a:txBody>
+                    <a:bodyPr/>
+                    <a:lstStyle/>
+                    <a:p>
+                      <a:pPr algn="l" fontAlgn="t"/>
+                      <a:r>
+                        <a:rPr lang="en-US">
+                          <a:effectLst/>
+                        </a:rPr>
+                        <a:t>x = x % y</a:t>
+                      </a:r>
+                    </a:p>
+                  </a:txBody>
+                  <a:tcPr marL="76200" marR="76200" marT="76200" marB="76200"/>
+                </a:tc>
+                <a:extLst>
+                  <a:ext uri="{0D108BD9-81ED-4DB2-BD59-A6C34878D82A}">
+                    <a16:rowId xmlns:a16="http://schemas.microsoft.com/office/drawing/2014/main" val="10006"/>
+                  </a:ext>
+                </a:extLst>
+              </a:tr>
+              <a:tr h="366395">
+                <a:tc>
+                  <a:txBody>
+                    <a:bodyPr/>
+                    <a:lstStyle/>
+                    <a:p>
+                      <a:pPr algn="l" fontAlgn="t"/>
+                      <a:r>
+                        <a:rPr lang="en-US">
+                          <a:effectLst/>
+                        </a:rPr>
+                        <a:t>**=</a:t>
+                      </a:r>
+                    </a:p>
+                  </a:txBody>
+                  <a:tcPr marL="152400" marR="76200" marT="76200" marB="76200"/>
+                </a:tc>
+                <a:tc>
+                  <a:txBody>
+                    <a:bodyPr/>
+                    <a:lstStyle/>
+                    <a:p>
+                      <a:pPr algn="l" fontAlgn="t"/>
+                      <a:r>
+                        <a:rPr lang="en-US">
+                          <a:effectLst/>
+                        </a:rPr>
+                        <a:t>x **= y</a:t>
+                      </a:r>
+                    </a:p>
+                  </a:txBody>
+                  <a:tcPr marL="76200" marR="76200" marT="76200" marB="76200"/>
+                </a:tc>
+                <a:tc>
+                  <a:txBody>
+                    <a:bodyPr/>
+                    <a:lstStyle/>
+                    <a:p>
+                      <a:pPr algn="l" fontAlgn="t"/>
+                      <a:r>
+                        <a:rPr lang="en-US" dirty="0">
+                          <a:effectLst/>
+                        </a:rPr>
+                        <a:t>x = x ** y</a:t>
+                      </a:r>
+                    </a:p>
+                  </a:txBody>
+                  <a:tcPr marL="76200" marR="76200" marT="76200" marB="76200"/>
+                </a:tc>
+                <a:extLst>
+                  <a:ext uri="{0D108BD9-81ED-4DB2-BD59-A6C34878D82A}">
+                    <a16:rowId xmlns:a16="http://schemas.microsoft.com/office/drawing/2014/main" val="10007"/>
+                  </a:ext>
+                </a:extLst>
+              </a:tr>
+            </a:tbl>
+          </a:graphicData>
+        </a:graphic>
+      </p:graphicFrame>
     </p:spTree>
   </p:cSld>
   <p:clrMapOvr>
@@ -8348,7 +8879,6 @@
               <a:rPr lang="en-US" dirty="0"/>
               <a:t>Introduction</a:t>
             </a:r>
-            <a:endParaRPr lang="en-US" dirty="0"/>
           </a:p>
         </p:txBody>
       </p:sp>
@@ -8363,7 +8893,7 @@
           </p:nvPr>
         </p:nvPicPr>
         <p:blipFill rotWithShape="1">
-          <a:blip r:embed="rId1"/>
+          <a:blip r:embed="rId2"/>
           <a:srcRect t="3572"/>
           <a:stretch>
             <a:fillRect/>
@@ -8419,18 +8949,16 @@
           <a:bodyPr/>
           <a:lstStyle/>
           <a:p>
-            <a:pPr fontAlgn="base"/>
-            <a:r>
-              <a:rPr lang="en-US" dirty="0"/>
-              <a:t>Variable Scope</a:t>
-            </a:r>
-            <a:endParaRPr lang="en-US" dirty="0"/>
-          </a:p>
-        </p:txBody>
-      </p:sp>
-      <p:sp>
-        <p:nvSpPr>
-          <p:cNvPr id="5" name="Content Placeholder 4"/>
+            <a:r>
+              <a:rPr lang="en-US"/>
+              <a:t>Functions</a:t>
+            </a:r>
+          </a:p>
+        </p:txBody>
+      </p:sp>
+      <p:sp>
+        <p:nvSpPr>
+          <p:cNvPr id="3" name="Content Placeholder 2"/>
           <p:cNvSpPr>
             <a:spLocks noGrp="1"/>
           </p:cNvSpPr>
@@ -8441,134 +8969,66 @@
         <p:spPr/>
         <p:txBody>
           <a:bodyPr>
-            <a:normAutofit fontScale="92500" lnSpcReduction="20000"/>
+            <a:normAutofit fontScale="97500"/>
           </a:bodyPr>
           <a:lstStyle/>
           <a:p>
+            <a:r>
+              <a:rPr lang="en-US"/>
+              <a:t>A JavaScript function is a block of code designed to perform a particular task.</a:t>
+            </a:r>
+          </a:p>
+          <a:p>
+            <a:r>
+              <a:rPr lang="en-US"/>
+              <a:t>A JavaScript function is executed when "something" invokes it (calls it).</a:t>
+            </a:r>
+          </a:p>
+          <a:p>
             <a:pPr marL="0" indent="0">
               <a:buNone/>
             </a:pPr>
             <a:r>
-              <a:rPr lang="en-US" dirty="0"/>
-              <a:t>var </a:t>
-            </a:r>
-            <a:r>
-              <a:rPr lang="en-US" dirty="0" err="1"/>
-              <a:t>globalVar</a:t>
-            </a:r>
-            <a:r>
-              <a:rPr lang="en-US" dirty="0"/>
-              <a:t> = "This is a global variable"; </a:t>
-            </a:r>
-            <a:endParaRPr lang="en-US" dirty="0"/>
+              <a:rPr lang="en-US"/>
+              <a:t>function name(parameter1, parameter2, parameter3) {</a:t>
+            </a:r>
           </a:p>
           <a:p>
             <a:pPr marL="0" indent="0">
               <a:buNone/>
             </a:pPr>
             <a:r>
-              <a:rPr lang="en-US" dirty="0"/>
-              <a:t>function fun() { </a:t>
-            </a:r>
-            <a:endParaRPr lang="en-US" dirty="0"/>
+              <a:rPr lang="en-US"/>
+              <a:t>// code to be executed</a:t>
+            </a:r>
           </a:p>
           <a:p>
             <a:pPr marL="0" indent="0">
               <a:buNone/>
             </a:pPr>
             <a:r>
-              <a:rPr lang="en-US" dirty="0"/>
-              <a:t>  var </a:t>
-            </a:r>
-            <a:r>
-              <a:rPr lang="en-US" dirty="0" err="1"/>
-              <a:t>localVar</a:t>
-            </a:r>
-            <a:r>
-              <a:rPr lang="en-US" dirty="0"/>
-              <a:t> = "This is a local variable"; </a:t>
-            </a:r>
-            <a:endParaRPr lang="en-US" dirty="0"/>
+              <a:rPr lang="en-US"/>
+              <a:t>}</a:t>
+            </a:r>
           </a:p>
           <a:p>
             <a:pPr marL="0" indent="0">
               <a:buNone/>
             </a:pPr>
             <a:r>
-              <a:rPr lang="en-US" dirty="0"/>
-              <a:t>  console.log(</a:t>
-            </a:r>
-            <a:r>
-              <a:rPr lang="en-US" dirty="0" err="1"/>
-              <a:t>globalVar</a:t>
-            </a:r>
-            <a:r>
-              <a:rPr lang="en-US" dirty="0"/>
-              <a:t>); </a:t>
-            </a:r>
-            <a:endParaRPr lang="en-US" dirty="0"/>
-          </a:p>
-          <a:p>
-            <a:pPr marL="0" indent="0">
-              <a:buNone/>
-            </a:pPr>
-            <a:r>
-              <a:rPr lang="en-US" dirty="0"/>
-              <a:t>  console.log(</a:t>
-            </a:r>
-            <a:r>
-              <a:rPr lang="en-US" dirty="0" err="1"/>
-              <a:t>localVar</a:t>
-            </a:r>
-            <a:r>
-              <a:rPr lang="en-US" dirty="0"/>
-              <a:t>); </a:t>
-            </a:r>
-            <a:endParaRPr lang="en-US" dirty="0"/>
-          </a:p>
-          <a:p>
-            <a:pPr marL="0" indent="0">
-              <a:buNone/>
-            </a:pPr>
-            <a:r>
-              <a:rPr lang="en-US" dirty="0"/>
-              <a:t>} </a:t>
-            </a:r>
-            <a:endParaRPr lang="en-US" dirty="0"/>
-          </a:p>
-          <a:p>
-            <a:pPr marL="0" indent="0">
-              <a:buNone/>
-            </a:pPr>
-            <a:r>
-              <a:rPr lang="en-US" dirty="0"/>
-              <a:t>fun();</a:t>
-            </a:r>
-            <a:endParaRPr lang="en-US" dirty="0"/>
-          </a:p>
-          <a:p>
-            <a:pPr marL="0" indent="0">
-              <a:buNone/>
-            </a:pPr>
-            <a:r>
-              <a:rPr lang="en-US" dirty="0"/>
-              <a:t>console.log(</a:t>
-            </a:r>
-            <a:r>
-              <a:rPr lang="en-US" dirty="0" err="1"/>
-              <a:t>localVar</a:t>
-            </a:r>
-            <a:r>
-              <a:rPr lang="en-US" dirty="0"/>
-              <a:t>); </a:t>
-            </a:r>
-            <a:endParaRPr lang="en-US" dirty="0"/>
-          </a:p>
-          <a:p>
-            <a:pPr marL="0" indent="0">
-              <a:buNone/>
-            </a:pPr>
-            <a:endParaRPr lang="en-US" dirty="0"/>
+              <a:rPr lang="en-US"/>
+              <a:t>name(argument1,</a:t>
+            </a:r>
+            <a:r>
+              <a:rPr lang="en-US">
+                <a:sym typeface="+mn-ea"/>
+              </a:rPr>
+              <a:t>argument2,argument3</a:t>
+            </a:r>
+            <a:r>
+              <a:rPr lang="en-US"/>
+              <a:t>)</a:t>
+            </a:r>
           </a:p>
         </p:txBody>
       </p:sp>
@@ -8612,40 +9072,61 @@
           <a:bodyPr/>
           <a:lstStyle/>
           <a:p>
-            <a:pPr fontAlgn="base"/>
-            <a:r>
-              <a:rPr lang="en-US" dirty="0"/>
-              <a:t>Variable Scope</a:t>
+            <a:r>
+              <a:rPr lang="en-US" dirty="0"/>
+              <a:t>Mutable</a:t>
+            </a:r>
+            <a:r>
+              <a:rPr lang="en-US" b="1" dirty="0"/>
+              <a:t> </a:t>
+            </a:r>
+            <a:r>
+              <a:rPr lang="en-US" dirty="0"/>
+              <a:t>Datatype</a:t>
+            </a:r>
+          </a:p>
+        </p:txBody>
+      </p:sp>
+      <p:sp>
+        <p:nvSpPr>
+          <p:cNvPr id="5" name="Content Placeholder 4"/>
+          <p:cNvSpPr>
+            <a:spLocks noGrp="1"/>
+          </p:cNvSpPr>
+          <p:nvPr>
+            <p:ph idx="1"/>
+          </p:nvPr>
+        </p:nvSpPr>
+        <p:spPr/>
+        <p:txBody>
+          <a:bodyPr>
+            <a:normAutofit fontScale="90000" lnSpcReduction="20000"/>
+          </a:bodyPr>
+          <a:lstStyle/>
+          <a:p>
+            <a:pPr marL="0" indent="0">
+              <a:buNone/>
+            </a:pPr>
+            <a:r>
+              <a:rPr lang="en-US" b="1" dirty="0"/>
+              <a:t>Mutable:</a:t>
             </a:r>
             <a:endParaRPr lang="en-US" dirty="0"/>
           </a:p>
-        </p:txBody>
-      </p:sp>
-      <p:sp>
-        <p:nvSpPr>
-          <p:cNvPr id="5" name="Content Placeholder 4"/>
-          <p:cNvSpPr>
-            <a:spLocks noGrp="1"/>
-          </p:cNvSpPr>
-          <p:nvPr>
-            <p:ph idx="1"/>
-          </p:nvPr>
-        </p:nvSpPr>
-        <p:spPr/>
-        <p:txBody>
-          <a:bodyPr>
-            <a:normAutofit/>
-          </a:bodyPr>
-          <a:lstStyle/>
+          <a:p>
+            <a:r>
+              <a:rPr lang="en-US" dirty="0"/>
+              <a:t>Object: const person = {</a:t>
+            </a:r>
+          </a:p>
           <a:p>
             <a:pPr marL="0" indent="0">
               <a:buNone/>
             </a:pPr>
             <a:r>
-              <a:rPr lang="en-US" b="1" dirty="0"/>
-              <a:t>Output:</a:t>
-            </a:r>
-            <a:endParaRPr lang="en-US" b="1" dirty="0"/>
+              <a:rPr lang="en-US" dirty="0"/>
+              <a:t> name: "John",</a:t>
+            </a:r>
           </a:p>
           <a:p>
             <a:pPr marL="0" indent="0">
@@ -8653,9 +9134,8 @@
             </a:pPr>
             <a:r>
               <a:rPr lang="en-US" dirty="0"/>
-              <a:t>This is a global variable</a:t>
-            </a:r>
-            <a:endParaRPr lang="en-US" dirty="0"/>
+              <a:t>age: 30,</a:t>
+            </a:r>
           </a:p>
           <a:p>
             <a:pPr marL="0" indent="0">
@@ -8663,27 +9143,36 @@
             </a:pPr>
             <a:r>
               <a:rPr lang="en-US" dirty="0"/>
-              <a:t>This is a local variable</a:t>
-            </a:r>
-            <a:endParaRPr lang="en-US" dirty="0"/>
+              <a:t>};</a:t>
+            </a:r>
           </a:p>
           <a:p>
             <a:pPr marL="0" indent="0">
               <a:buNone/>
             </a:pPr>
             <a:r>
-              <a:rPr lang="en-US" dirty="0"/>
-              <a:t>Uncaught reference error: </a:t>
-            </a:r>
-            <a:r>
-              <a:rPr lang="en-US" dirty="0" err="1"/>
-              <a:t>localVar</a:t>
-            </a:r>
-            <a:r>
-              <a:rPr lang="en-US" dirty="0"/>
-              <a:t> is not defined</a:t>
-            </a:r>
-            <a:endParaRPr lang="en-US" dirty="0"/>
+              <a:rPr lang="en-US"/>
+              <a:t>person.name</a:t>
+            </a:r>
+            <a:r>
+              <a:rPr lang="en-US" dirty="0"/>
+              <a:t>=”Ram”</a:t>
+            </a:r>
+          </a:p>
+          <a:p>
+            <a:pPr marL="0" indent="0">
+              <a:buNone/>
+            </a:pPr>
+            <a:r>
+              <a:rPr lang="en-US" dirty="0"/>
+              <a:t>document.write(a.toUpperCase())</a:t>
+            </a:r>
+          </a:p>
+          <a:p>
+            <a:r>
+              <a:rPr lang="en-US" dirty="0"/>
+              <a:t>Array : const numbers = [1, 2, 3, 4, 5];</a:t>
+            </a:r>
           </a:p>
         </p:txBody>
       </p:sp>
@@ -8724,498 +9213,55 @@
         </p:nvSpPr>
         <p:spPr/>
         <p:txBody>
+          <a:bodyPr/>
+          <a:lstStyle/>
+          <a:p>
+            <a:pPr fontAlgn="base"/>
+            <a:r>
+              <a:rPr lang="en-US" dirty="0"/>
+              <a:t>Variable Scope</a:t>
+            </a:r>
+          </a:p>
+        </p:txBody>
+      </p:sp>
+      <p:sp>
+        <p:nvSpPr>
+          <p:cNvPr id="5" name="Content Placeholder 4"/>
+          <p:cNvSpPr>
+            <a:spLocks noGrp="1"/>
+          </p:cNvSpPr>
+          <p:nvPr>
+            <p:ph idx="1"/>
+          </p:nvPr>
+        </p:nvSpPr>
+        <p:spPr/>
+        <p:txBody>
           <a:bodyPr>
             <a:normAutofit/>
           </a:bodyPr>
           <a:lstStyle/>
           <a:p>
             <a:r>
-              <a:rPr lang="en-US" dirty="0"/>
-              <a:t>Arithmetic Operators</a:t>
-            </a:r>
-            <a:endParaRPr lang="en-US" dirty="0"/>
-          </a:p>
-        </p:txBody>
-      </p:sp>
-      <p:graphicFrame>
-        <p:nvGraphicFramePr>
-          <p:cNvPr id="4" name="Content Placeholder 3"/>
-          <p:cNvGraphicFramePr>
-            <a:graphicFrameLocks noGrp="1"/>
-          </p:cNvGraphicFramePr>
-          <p:nvPr>
-            <p:ph idx="1"/>
-          </p:nvPr>
-        </p:nvGraphicFramePr>
-        <p:xfrm>
-          <a:off x="1295400" y="2534919"/>
-          <a:ext cx="9601200" cy="3596640"/>
-        </p:xfrm>
-        <a:graphic>
-          <a:graphicData uri="http://schemas.openxmlformats.org/drawingml/2006/table">
-            <a:tbl>
-              <a:tblPr firstRow="1" bandRow="1">
-                <a:tableStyleId>{5C22544A-7EE6-4342-B048-85BDC9FD1C3A}</a:tableStyleId>
-              </a:tblPr>
-              <a:tblGrid>
-                <a:gridCol w="4800600"/>
-                <a:gridCol w="4800600"/>
-              </a:tblGrid>
-              <a:tr h="0">
-                <a:tc>
-                  <a:txBody>
-                    <a:bodyPr/>
-                    <a:lstStyle/>
-                    <a:p>
-                      <a:pPr algn="l" fontAlgn="t"/>
-                      <a:r>
-                        <a:rPr lang="en-US" dirty="0">
-                          <a:effectLst/>
-                        </a:rPr>
-                        <a:t>Operator</a:t>
-                      </a:r>
-                      <a:endParaRPr lang="en-US" dirty="0">
-                        <a:effectLst/>
-                      </a:endParaRPr>
-                    </a:p>
-                  </a:txBody>
-                  <a:tcPr marL="152400" marR="76200" marT="76200" marB="76200"/>
-                </a:tc>
-                <a:tc>
-                  <a:txBody>
-                    <a:bodyPr/>
-                    <a:lstStyle/>
-                    <a:p>
-                      <a:pPr algn="l" fontAlgn="t"/>
-                      <a:r>
-                        <a:rPr lang="en-US">
-                          <a:effectLst/>
-                        </a:rPr>
-                        <a:t>Description</a:t>
-                      </a:r>
-                      <a:endParaRPr lang="en-US">
-                        <a:effectLst/>
-                      </a:endParaRPr>
-                    </a:p>
-                  </a:txBody>
-                  <a:tcPr marL="76200" marR="76200" marT="76200" marB="76200"/>
-                </a:tc>
-              </a:tr>
-              <a:tr h="366395">
-                <a:tc>
-                  <a:txBody>
-                    <a:bodyPr/>
-                    <a:lstStyle/>
-                    <a:p>
-                      <a:pPr algn="l" fontAlgn="t"/>
-                      <a:r>
-                        <a:rPr lang="en-US" sz="1600">
-                          <a:solidFill>
-                            <a:schemeClr val="tx1"/>
-                          </a:solidFill>
-                          <a:effectLst/>
-                        </a:rPr>
-                        <a:t>+</a:t>
-                      </a:r>
-                      <a:endParaRPr lang="en-US" sz="1600">
-                        <a:solidFill>
-                          <a:schemeClr val="tx1"/>
-                        </a:solidFill>
-                        <a:effectLst/>
-                      </a:endParaRPr>
-                    </a:p>
-                  </a:txBody>
-                  <a:tcPr marL="152400" marR="76200" marT="76200" marB="76200"/>
-                </a:tc>
-                <a:tc>
-                  <a:txBody>
-                    <a:bodyPr/>
-                    <a:lstStyle/>
-                    <a:p>
-                      <a:pPr algn="l" fontAlgn="t"/>
-                      <a:r>
-                        <a:rPr lang="en-US" sz="1600" dirty="0">
-                          <a:solidFill>
-                            <a:schemeClr val="tx1"/>
-                          </a:solidFill>
-                          <a:effectLst/>
-                        </a:rPr>
-                        <a:t>Addition</a:t>
-                      </a:r>
-                      <a:endParaRPr lang="en-US" sz="1600" dirty="0">
-                        <a:solidFill>
-                          <a:schemeClr val="tx1"/>
-                        </a:solidFill>
-                        <a:effectLst/>
-                      </a:endParaRPr>
-                    </a:p>
-                  </a:txBody>
-                  <a:tcPr marL="76200" marR="76200" marT="76200" marB="76200"/>
-                </a:tc>
-              </a:tr>
-              <a:tr h="366395">
-                <a:tc>
-                  <a:txBody>
-                    <a:bodyPr/>
-                    <a:lstStyle/>
-                    <a:p>
-                      <a:pPr algn="l" fontAlgn="t"/>
-                      <a:r>
-                        <a:rPr lang="en-US" sz="1600" dirty="0">
-                          <a:solidFill>
-                            <a:schemeClr val="tx1"/>
-                          </a:solidFill>
-                          <a:effectLst/>
-                        </a:rPr>
-                        <a:t>-</a:t>
-                      </a:r>
-                      <a:endParaRPr lang="en-US" sz="1600" dirty="0">
-                        <a:solidFill>
-                          <a:schemeClr val="tx1"/>
-                        </a:solidFill>
-                        <a:effectLst/>
-                      </a:endParaRPr>
-                    </a:p>
-                  </a:txBody>
-                  <a:tcPr marL="152400" marR="76200" marT="76200" marB="76200"/>
-                </a:tc>
-                <a:tc>
-                  <a:txBody>
-                    <a:bodyPr/>
-                    <a:lstStyle/>
-                    <a:p>
-                      <a:pPr algn="l" fontAlgn="t"/>
-                      <a:r>
-                        <a:rPr lang="en-US" sz="1600" dirty="0">
-                          <a:solidFill>
-                            <a:schemeClr val="tx1"/>
-                          </a:solidFill>
-                          <a:effectLst/>
-                        </a:rPr>
-                        <a:t>Subtraction</a:t>
-                      </a:r>
-                      <a:endParaRPr lang="en-US" sz="1600" dirty="0">
-                        <a:solidFill>
-                          <a:schemeClr val="tx1"/>
-                        </a:solidFill>
-                        <a:effectLst/>
-                      </a:endParaRPr>
-                    </a:p>
-                  </a:txBody>
-                  <a:tcPr marL="76200" marR="76200" marT="76200" marB="76200"/>
-                </a:tc>
-              </a:tr>
-              <a:tr h="366395">
-                <a:tc>
-                  <a:txBody>
-                    <a:bodyPr/>
-                    <a:lstStyle/>
-                    <a:p>
-                      <a:pPr algn="l" fontAlgn="t"/>
-                      <a:r>
-                        <a:rPr lang="en-US" sz="1600" dirty="0">
-                          <a:solidFill>
-                            <a:schemeClr val="tx1"/>
-                          </a:solidFill>
-                          <a:effectLst/>
-                        </a:rPr>
-                        <a:t>*</a:t>
-                      </a:r>
-                      <a:endParaRPr lang="en-US" sz="1600" dirty="0">
-                        <a:solidFill>
-                          <a:schemeClr val="tx1"/>
-                        </a:solidFill>
-                        <a:effectLst/>
-                      </a:endParaRPr>
-                    </a:p>
-                  </a:txBody>
-                  <a:tcPr marL="152400" marR="76200" marT="76200" marB="76200"/>
-                </a:tc>
-                <a:tc>
-                  <a:txBody>
-                    <a:bodyPr/>
-                    <a:lstStyle/>
-                    <a:p>
-                      <a:pPr algn="l" fontAlgn="t"/>
-                      <a:r>
-                        <a:rPr lang="en-US" sz="1600" dirty="0">
-                          <a:solidFill>
-                            <a:schemeClr val="tx1"/>
-                          </a:solidFill>
-                          <a:effectLst/>
-                        </a:rPr>
-                        <a:t>Multiplication</a:t>
-                      </a:r>
-                      <a:endParaRPr lang="en-US" sz="1600" dirty="0">
-                        <a:solidFill>
-                          <a:schemeClr val="tx1"/>
-                        </a:solidFill>
-                        <a:effectLst/>
-                      </a:endParaRPr>
-                    </a:p>
-                  </a:txBody>
-                  <a:tcPr marL="76200" marR="76200" marT="76200" marB="76200"/>
-                </a:tc>
-              </a:tr>
-              <a:tr h="366395">
-                <a:tc>
-                  <a:txBody>
-                    <a:bodyPr/>
-                    <a:lstStyle/>
-                    <a:p>
-                      <a:pPr algn="l" fontAlgn="t"/>
-                      <a:r>
-                        <a:rPr lang="en-US" sz="1600" dirty="0">
-                          <a:solidFill>
-                            <a:schemeClr val="tx1"/>
-                          </a:solidFill>
-                          <a:effectLst/>
-                        </a:rPr>
-                        <a:t>**</a:t>
-                      </a:r>
-                      <a:endParaRPr lang="en-US" sz="1600" dirty="0">
-                        <a:solidFill>
-                          <a:schemeClr val="tx1"/>
-                        </a:solidFill>
-                        <a:effectLst/>
-                      </a:endParaRPr>
-                    </a:p>
-                  </a:txBody>
-                  <a:tcPr marL="152400" marR="76200" marT="76200" marB="76200"/>
-                </a:tc>
-                <a:tc>
-                  <a:txBody>
-                    <a:bodyPr/>
-                    <a:lstStyle/>
-                    <a:p>
-                      <a:pPr algn="l" fontAlgn="t"/>
-                      <a:r>
-                        <a:rPr lang="en-US" sz="1600" dirty="0">
-                          <a:solidFill>
-                            <a:schemeClr val="tx1"/>
-                          </a:solidFill>
-                          <a:effectLst/>
-                        </a:rPr>
-                        <a:t>Exponentiation (</a:t>
-                      </a:r>
-                      <a:r>
-                        <a:rPr lang="en-US" sz="1600" dirty="0">
-                          <a:solidFill>
-                            <a:schemeClr val="tx1"/>
-                          </a:solidFill>
-                          <a:effectLst/>
-                          <a:hlinkClick r:id="rId1"/>
-                        </a:rPr>
-                        <a:t>ES2016</a:t>
-                      </a:r>
-                      <a:r>
-                        <a:rPr lang="en-US" sz="1600" dirty="0">
-                          <a:solidFill>
-                            <a:schemeClr val="tx1"/>
-                          </a:solidFill>
-                          <a:effectLst/>
-                        </a:rPr>
-                        <a:t>)</a:t>
-                      </a:r>
-                      <a:endParaRPr lang="en-US" sz="1600" dirty="0">
-                        <a:solidFill>
-                          <a:schemeClr val="tx1"/>
-                        </a:solidFill>
-                        <a:effectLst/>
-                      </a:endParaRPr>
-                    </a:p>
-                  </a:txBody>
-                  <a:tcPr marL="76200" marR="76200" marT="76200" marB="76200"/>
-                </a:tc>
-              </a:tr>
-              <a:tr h="366395">
-                <a:tc>
-                  <a:txBody>
-                    <a:bodyPr/>
-                    <a:lstStyle/>
-                    <a:p>
-                      <a:pPr algn="l" fontAlgn="t"/>
-                      <a:r>
-                        <a:rPr lang="en-US" sz="1600" dirty="0">
-                          <a:solidFill>
-                            <a:schemeClr val="tx1"/>
-                          </a:solidFill>
-                          <a:effectLst/>
-                        </a:rPr>
-                        <a:t>/</a:t>
-                      </a:r>
-                      <a:endParaRPr lang="en-US" sz="1600" dirty="0">
-                        <a:solidFill>
-                          <a:schemeClr val="tx1"/>
-                        </a:solidFill>
-                        <a:effectLst/>
-                      </a:endParaRPr>
-                    </a:p>
-                  </a:txBody>
-                  <a:tcPr marL="152400" marR="76200" marT="76200" marB="76200"/>
-                </a:tc>
-                <a:tc>
-                  <a:txBody>
-                    <a:bodyPr/>
-                    <a:lstStyle/>
-                    <a:p>
-                      <a:pPr algn="l" fontAlgn="t"/>
-                      <a:r>
-                        <a:rPr lang="en-US" sz="1600" dirty="0">
-                          <a:solidFill>
-                            <a:schemeClr val="tx1"/>
-                          </a:solidFill>
-                          <a:effectLst/>
-                        </a:rPr>
-                        <a:t>Division</a:t>
-                      </a:r>
-                      <a:endParaRPr lang="en-US" sz="1600" dirty="0">
-                        <a:solidFill>
-                          <a:schemeClr val="tx1"/>
-                        </a:solidFill>
-                        <a:effectLst/>
-                      </a:endParaRPr>
-                    </a:p>
-                  </a:txBody>
-                  <a:tcPr marL="76200" marR="76200" marT="76200" marB="76200"/>
-                </a:tc>
-              </a:tr>
-              <a:tr h="366395">
-                <a:tc>
-                  <a:txBody>
-                    <a:bodyPr/>
-                    <a:lstStyle/>
-                    <a:p>
-                      <a:pPr algn="l" fontAlgn="t"/>
-                      <a:r>
-                        <a:rPr lang="en-US" sz="1600" dirty="0">
-                          <a:solidFill>
-                            <a:schemeClr val="tx1"/>
-                          </a:solidFill>
-                          <a:effectLst/>
-                        </a:rPr>
-                        <a:t>%</a:t>
-                      </a:r>
-                      <a:endParaRPr lang="en-US" sz="1600" dirty="0">
-                        <a:solidFill>
-                          <a:schemeClr val="tx1"/>
-                        </a:solidFill>
-                        <a:effectLst/>
-                      </a:endParaRPr>
-                    </a:p>
-                  </a:txBody>
-                  <a:tcPr marL="152400" marR="76200" marT="76200" marB="76200"/>
-                </a:tc>
-                <a:tc>
-                  <a:txBody>
-                    <a:bodyPr/>
-                    <a:lstStyle/>
-                    <a:p>
-                      <a:pPr algn="l" fontAlgn="t"/>
-                      <a:r>
-                        <a:rPr lang="en-US" sz="1600" dirty="0">
-                          <a:solidFill>
-                            <a:schemeClr val="tx1"/>
-                          </a:solidFill>
-                          <a:effectLst/>
-                        </a:rPr>
-                        <a:t>Modulus (Division Remainder)</a:t>
-                      </a:r>
-                      <a:endParaRPr lang="en-US" sz="1600" dirty="0">
-                        <a:solidFill>
-                          <a:schemeClr val="tx1"/>
-                        </a:solidFill>
-                        <a:effectLst/>
-                      </a:endParaRPr>
-                    </a:p>
-                  </a:txBody>
-                  <a:tcPr marL="76200" marR="76200" marT="76200" marB="76200"/>
-                </a:tc>
-              </a:tr>
-              <a:tr h="366395">
-                <a:tc>
-                  <a:txBody>
-                    <a:bodyPr/>
-                    <a:lstStyle/>
-                    <a:p>
-                      <a:pPr algn="l" fontAlgn="t"/>
-                      <a:r>
-                        <a:rPr lang="en-US" sz="1600">
-                          <a:effectLst/>
-                        </a:rPr>
-                        <a:t>++</a:t>
-                      </a:r>
-                      <a:endParaRPr lang="en-US" sz="1600">
-                        <a:effectLst/>
-                      </a:endParaRPr>
-                    </a:p>
-                  </a:txBody>
-                  <a:tcPr marL="152400" marR="76200" marT="76200" marB="76200"/>
-                </a:tc>
-                <a:tc>
-                  <a:txBody>
-                    <a:bodyPr/>
-                    <a:lstStyle/>
-                    <a:p>
-                      <a:pPr algn="l" fontAlgn="t"/>
-                      <a:r>
-                        <a:rPr lang="en-US" sz="1600" dirty="0">
-                          <a:effectLst/>
-                        </a:rPr>
-                        <a:t>Increment</a:t>
-                      </a:r>
-                      <a:endParaRPr lang="en-US" sz="1600" dirty="0">
-                        <a:effectLst/>
-                      </a:endParaRPr>
-                    </a:p>
-                  </a:txBody>
-                  <a:tcPr marL="76200" marR="76200" marT="76200" marB="76200"/>
-                </a:tc>
-              </a:tr>
-              <a:tr h="366395">
-                <a:tc>
-                  <a:txBody>
-                    <a:bodyPr/>
-                    <a:lstStyle/>
-                    <a:p>
-                      <a:pPr algn="l" fontAlgn="t"/>
-                      <a:r>
-                        <a:rPr lang="en-US" sz="1600">
-                          <a:effectLst/>
-                        </a:rPr>
-                        <a:t>--</a:t>
-                      </a:r>
-                      <a:endParaRPr lang="en-US" sz="1600">
-                        <a:effectLst/>
-                      </a:endParaRPr>
-                    </a:p>
-                  </a:txBody>
-                  <a:tcPr marL="152400" marR="76200" marT="76200" marB="76200"/>
-                </a:tc>
-                <a:tc>
-                  <a:txBody>
-                    <a:bodyPr/>
-                    <a:lstStyle/>
-                    <a:p>
-                      <a:pPr algn="l" fontAlgn="t"/>
-                      <a:r>
-                        <a:rPr lang="en-US" sz="1600" dirty="0">
-                          <a:effectLst/>
-                        </a:rPr>
-                        <a:t>Decrement</a:t>
-                      </a:r>
-                      <a:endParaRPr lang="en-US" sz="1600" dirty="0">
-                        <a:effectLst/>
-                      </a:endParaRPr>
-                    </a:p>
-                  </a:txBody>
-                  <a:tcPr marL="76200" marR="76200" marT="76200" marB="76200"/>
-                </a:tc>
-              </a:tr>
-            </a:tbl>
-          </a:graphicData>
-        </a:graphic>
-      </p:graphicFrame>
+              <a:rPr lang="en-US" b="1" dirty="0"/>
+              <a:t>Global Scope </a:t>
+            </a:r>
+            <a:r>
+              <a:rPr lang="en-US" dirty="0"/>
+              <a:t>– Scope outside the outermost function(we will discuss functions in detail in other article) attached to Window.</a:t>
+            </a:r>
+          </a:p>
+          <a:p>
+            <a:r>
+              <a:rPr lang="en-US" b="1" dirty="0"/>
+              <a:t>Local Scope </a:t>
+            </a:r>
+            <a:r>
+              <a:rPr lang="en-US" dirty="0"/>
+              <a:t>– Inside the function being executed.</a:t>
+            </a:r>
+          </a:p>
+        </p:txBody>
+      </p:sp>
     </p:spTree>
   </p:cSld>
   <p:clrMapOvr>
@@ -9253,638 +9299,150 @@
         </p:nvSpPr>
         <p:spPr/>
         <p:txBody>
+          <a:bodyPr/>
+          <a:lstStyle/>
+          <a:p>
+            <a:pPr fontAlgn="base"/>
+            <a:r>
+              <a:rPr lang="en-US" dirty="0"/>
+              <a:t>Variable Scope</a:t>
+            </a:r>
+          </a:p>
+        </p:txBody>
+      </p:sp>
+      <p:sp>
+        <p:nvSpPr>
+          <p:cNvPr id="5" name="Content Placeholder 4"/>
+          <p:cNvSpPr>
+            <a:spLocks noGrp="1"/>
+          </p:cNvSpPr>
+          <p:nvPr>
+            <p:ph idx="1"/>
+          </p:nvPr>
+        </p:nvSpPr>
+        <p:spPr/>
+        <p:txBody>
           <a:bodyPr>
-            <a:normAutofit/>
+            <a:normAutofit fontScale="92500" lnSpcReduction="20000"/>
           </a:bodyPr>
           <a:lstStyle/>
           <a:p>
-            <a:r>
-              <a:rPr lang="en-US" dirty="0"/>
-              <a:t>Assignment Operators</a:t>
-            </a:r>
+            <a:pPr marL="0" indent="0">
+              <a:buNone/>
+            </a:pPr>
+            <a:r>
+              <a:rPr lang="en-US" dirty="0"/>
+              <a:t>var </a:t>
+            </a:r>
+            <a:r>
+              <a:rPr lang="en-US" dirty="0" err="1"/>
+              <a:t>globalVar</a:t>
+            </a:r>
+            <a:r>
+              <a:rPr lang="en-US" dirty="0"/>
+              <a:t> = "This is a global variable"; </a:t>
+            </a:r>
+          </a:p>
+          <a:p>
+            <a:pPr marL="0" indent="0">
+              <a:buNone/>
+            </a:pPr>
+            <a:r>
+              <a:rPr lang="en-US" dirty="0"/>
+              <a:t>function fun() { </a:t>
+            </a:r>
+          </a:p>
+          <a:p>
+            <a:pPr marL="0" indent="0">
+              <a:buNone/>
+            </a:pPr>
+            <a:r>
+              <a:rPr lang="en-US" dirty="0"/>
+              <a:t>  var </a:t>
+            </a:r>
+            <a:r>
+              <a:rPr lang="en-US" dirty="0" err="1"/>
+              <a:t>localVar</a:t>
+            </a:r>
+            <a:r>
+              <a:rPr lang="en-US" dirty="0"/>
+              <a:t> = "This is a local variable"; </a:t>
+            </a:r>
+          </a:p>
+          <a:p>
+            <a:pPr marL="0" indent="0">
+              <a:buNone/>
+            </a:pPr>
+            <a:r>
+              <a:rPr lang="en-US" dirty="0"/>
+              <a:t>  console.log(</a:t>
+            </a:r>
+            <a:r>
+              <a:rPr lang="en-US" dirty="0" err="1"/>
+              <a:t>globalVar</a:t>
+            </a:r>
+            <a:r>
+              <a:rPr lang="en-US" dirty="0"/>
+              <a:t>); </a:t>
+            </a:r>
+          </a:p>
+          <a:p>
+            <a:pPr marL="0" indent="0">
+              <a:buNone/>
+            </a:pPr>
+            <a:r>
+              <a:rPr lang="en-US" dirty="0"/>
+              <a:t>  console.log(</a:t>
+            </a:r>
+            <a:r>
+              <a:rPr lang="en-US" dirty="0" err="1"/>
+              <a:t>localVar</a:t>
+            </a:r>
+            <a:r>
+              <a:rPr lang="en-US" dirty="0"/>
+              <a:t>); </a:t>
+            </a:r>
+          </a:p>
+          <a:p>
+            <a:pPr marL="0" indent="0">
+              <a:buNone/>
+            </a:pPr>
+            <a:r>
+              <a:rPr lang="en-US" dirty="0"/>
+              <a:t>} </a:t>
+            </a:r>
+          </a:p>
+          <a:p>
+            <a:pPr marL="0" indent="0">
+              <a:buNone/>
+            </a:pPr>
+            <a:r>
+              <a:rPr lang="en-US" dirty="0"/>
+              <a:t>fun();</a:t>
+            </a:r>
+          </a:p>
+          <a:p>
+            <a:pPr marL="0" indent="0">
+              <a:buNone/>
+            </a:pPr>
+            <a:r>
+              <a:rPr lang="en-US" dirty="0"/>
+              <a:t>console.log(</a:t>
+            </a:r>
+            <a:r>
+              <a:rPr lang="en-US" dirty="0" err="1"/>
+              <a:t>localVar</a:t>
+            </a:r>
+            <a:r>
+              <a:rPr lang="en-US" dirty="0"/>
+              <a:t>); </a:t>
+            </a:r>
+          </a:p>
+          <a:p>
+            <a:pPr marL="0" indent="0">
+              <a:buNone/>
+            </a:pPr>
             <a:endParaRPr lang="en-US" dirty="0"/>
-          </a:p>
-        </p:txBody>
-      </p:sp>
-      <p:graphicFrame>
-        <p:nvGraphicFramePr>
-          <p:cNvPr id="4" name="Content Placeholder 3"/>
-          <p:cNvGraphicFramePr>
-            <a:graphicFrameLocks noGrp="1"/>
-          </p:cNvGraphicFramePr>
-          <p:nvPr>
-            <p:ph idx="1"/>
-          </p:nvPr>
-        </p:nvGraphicFramePr>
-        <p:xfrm>
-          <a:off x="1500187" y="2534919"/>
-          <a:ext cx="9396413" cy="3413760"/>
-        </p:xfrm>
-        <a:graphic>
-          <a:graphicData uri="http://schemas.openxmlformats.org/drawingml/2006/table">
-            <a:tbl>
-              <a:tblPr firstRow="1" bandRow="1">
-                <a:tableStyleId>{5C22544A-7EE6-4342-B048-85BDC9FD1C3A}</a:tableStyleId>
-              </a:tblPr>
-              <a:tblGrid>
-                <a:gridCol w="2995613"/>
-                <a:gridCol w="3200400"/>
-                <a:gridCol w="3200400"/>
-              </a:tblGrid>
-              <a:tr h="0">
-                <a:tc>
-                  <a:txBody>
-                    <a:bodyPr/>
-                    <a:lstStyle/>
-                    <a:p>
-                      <a:pPr algn="l" fontAlgn="t"/>
-                      <a:r>
-                        <a:rPr lang="en-US">
-                          <a:effectLst/>
-                        </a:rPr>
-                        <a:t>Operator</a:t>
-                      </a:r>
-                      <a:endParaRPr lang="en-US">
-                        <a:effectLst/>
-                      </a:endParaRPr>
-                    </a:p>
-                  </a:txBody>
-                  <a:tcPr marL="152400" marR="76200" marT="76200" marB="76200"/>
-                </a:tc>
-                <a:tc>
-                  <a:txBody>
-                    <a:bodyPr/>
-                    <a:lstStyle/>
-                    <a:p>
-                      <a:pPr algn="l" fontAlgn="t"/>
-                      <a:r>
-                        <a:rPr lang="en-US">
-                          <a:effectLst/>
-                        </a:rPr>
-                        <a:t>Example</a:t>
-                      </a:r>
-                      <a:endParaRPr lang="en-US">
-                        <a:effectLst/>
-                      </a:endParaRPr>
-                    </a:p>
-                  </a:txBody>
-                  <a:tcPr marL="76200" marR="76200" marT="76200" marB="76200"/>
-                </a:tc>
-                <a:tc>
-                  <a:txBody>
-                    <a:bodyPr/>
-                    <a:lstStyle/>
-                    <a:p>
-                      <a:pPr algn="l" fontAlgn="t"/>
-                      <a:r>
-                        <a:rPr lang="en-US">
-                          <a:effectLst/>
-                        </a:rPr>
-                        <a:t>Same As</a:t>
-                      </a:r>
-                      <a:endParaRPr lang="en-US">
-                        <a:effectLst/>
-                      </a:endParaRPr>
-                    </a:p>
-                  </a:txBody>
-                  <a:tcPr marL="76200" marR="76200" marT="76200" marB="76200"/>
-                </a:tc>
-              </a:tr>
-              <a:tr h="366395">
-                <a:tc>
-                  <a:txBody>
-                    <a:bodyPr/>
-                    <a:lstStyle/>
-                    <a:p>
-                      <a:pPr algn="l" fontAlgn="t"/>
-                      <a:r>
-                        <a:rPr lang="en-US">
-                          <a:effectLst/>
-                        </a:rPr>
-                        <a:t>=</a:t>
-                      </a:r>
-                      <a:endParaRPr lang="en-US">
-                        <a:effectLst/>
-                      </a:endParaRPr>
-                    </a:p>
-                  </a:txBody>
-                  <a:tcPr marL="152400" marR="76200" marT="76200" marB="76200"/>
-                </a:tc>
-                <a:tc>
-                  <a:txBody>
-                    <a:bodyPr/>
-                    <a:lstStyle/>
-                    <a:p>
-                      <a:pPr algn="l" fontAlgn="t"/>
-                      <a:r>
-                        <a:rPr lang="en-US">
-                          <a:effectLst/>
-                        </a:rPr>
-                        <a:t>x = y</a:t>
-                      </a:r>
-                      <a:endParaRPr lang="en-US">
-                        <a:effectLst/>
-                      </a:endParaRPr>
-                    </a:p>
-                  </a:txBody>
-                  <a:tcPr marL="76200" marR="76200" marT="76200" marB="76200"/>
-                </a:tc>
-                <a:tc>
-                  <a:txBody>
-                    <a:bodyPr/>
-                    <a:lstStyle/>
-                    <a:p>
-                      <a:pPr algn="l" fontAlgn="t"/>
-                      <a:r>
-                        <a:rPr lang="en-US">
-                          <a:effectLst/>
-                        </a:rPr>
-                        <a:t>x = y</a:t>
-                      </a:r>
-                      <a:endParaRPr lang="en-US">
-                        <a:effectLst/>
-                      </a:endParaRPr>
-                    </a:p>
-                  </a:txBody>
-                  <a:tcPr marL="76200" marR="76200" marT="76200" marB="76200"/>
-                </a:tc>
-              </a:tr>
-              <a:tr h="366395">
-                <a:tc>
-                  <a:txBody>
-                    <a:bodyPr/>
-                    <a:lstStyle/>
-                    <a:p>
-                      <a:pPr algn="l" fontAlgn="t"/>
-                      <a:r>
-                        <a:rPr lang="en-US">
-                          <a:effectLst/>
-                        </a:rPr>
-                        <a:t>+=</a:t>
-                      </a:r>
-                      <a:endParaRPr lang="en-US">
-                        <a:effectLst/>
-                      </a:endParaRPr>
-                    </a:p>
-                  </a:txBody>
-                  <a:tcPr marL="152400" marR="76200" marT="76200" marB="76200"/>
-                </a:tc>
-                <a:tc>
-                  <a:txBody>
-                    <a:bodyPr/>
-                    <a:lstStyle/>
-                    <a:p>
-                      <a:pPr algn="l" fontAlgn="t"/>
-                      <a:r>
-                        <a:rPr lang="en-US">
-                          <a:effectLst/>
-                        </a:rPr>
-                        <a:t>x += y</a:t>
-                      </a:r>
-                      <a:endParaRPr lang="en-US">
-                        <a:effectLst/>
-                      </a:endParaRPr>
-                    </a:p>
-                  </a:txBody>
-                  <a:tcPr marL="76200" marR="76200" marT="76200" marB="76200"/>
-                </a:tc>
-                <a:tc>
-                  <a:txBody>
-                    <a:bodyPr/>
-                    <a:lstStyle/>
-                    <a:p>
-                      <a:pPr algn="l" fontAlgn="t"/>
-                      <a:r>
-                        <a:rPr lang="en-US">
-                          <a:effectLst/>
-                        </a:rPr>
-                        <a:t>x = x + y</a:t>
-                      </a:r>
-                      <a:endParaRPr lang="en-US">
-                        <a:effectLst/>
-                      </a:endParaRPr>
-                    </a:p>
-                  </a:txBody>
-                  <a:tcPr marL="76200" marR="76200" marT="76200" marB="76200"/>
-                </a:tc>
-              </a:tr>
-              <a:tr h="366395">
-                <a:tc>
-                  <a:txBody>
-                    <a:bodyPr/>
-                    <a:lstStyle/>
-                    <a:p>
-                      <a:pPr algn="l" fontAlgn="t"/>
-                      <a:r>
-                        <a:rPr lang="en-US">
-                          <a:effectLst/>
-                        </a:rPr>
-                        <a:t>-=</a:t>
-                      </a:r>
-                      <a:endParaRPr lang="en-US">
-                        <a:effectLst/>
-                      </a:endParaRPr>
-                    </a:p>
-                  </a:txBody>
-                  <a:tcPr marL="152400" marR="76200" marT="76200" marB="76200"/>
-                </a:tc>
-                <a:tc>
-                  <a:txBody>
-                    <a:bodyPr/>
-                    <a:lstStyle/>
-                    <a:p>
-                      <a:pPr algn="l" fontAlgn="t"/>
-                      <a:r>
-                        <a:rPr lang="en-US">
-                          <a:effectLst/>
-                        </a:rPr>
-                        <a:t>x -= y</a:t>
-                      </a:r>
-                      <a:endParaRPr lang="en-US">
-                        <a:effectLst/>
-                      </a:endParaRPr>
-                    </a:p>
-                  </a:txBody>
-                  <a:tcPr marL="76200" marR="76200" marT="76200" marB="76200"/>
-                </a:tc>
-                <a:tc>
-                  <a:txBody>
-                    <a:bodyPr/>
-                    <a:lstStyle/>
-                    <a:p>
-                      <a:pPr algn="l" fontAlgn="t"/>
-                      <a:r>
-                        <a:rPr lang="en-US">
-                          <a:effectLst/>
-                        </a:rPr>
-                        <a:t>x = x - y</a:t>
-                      </a:r>
-                      <a:endParaRPr lang="en-US">
-                        <a:effectLst/>
-                      </a:endParaRPr>
-                    </a:p>
-                  </a:txBody>
-                  <a:tcPr marL="76200" marR="76200" marT="76200" marB="76200"/>
-                </a:tc>
-              </a:tr>
-              <a:tr h="366395">
-                <a:tc>
-                  <a:txBody>
-                    <a:bodyPr/>
-                    <a:lstStyle/>
-                    <a:p>
-                      <a:pPr algn="l" fontAlgn="t"/>
-                      <a:r>
-                        <a:rPr lang="en-US">
-                          <a:effectLst/>
-                        </a:rPr>
-                        <a:t>*=</a:t>
-                      </a:r>
-                      <a:endParaRPr lang="en-US">
-                        <a:effectLst/>
-                      </a:endParaRPr>
-                    </a:p>
-                  </a:txBody>
-                  <a:tcPr marL="152400" marR="76200" marT="76200" marB="76200"/>
-                </a:tc>
-                <a:tc>
-                  <a:txBody>
-                    <a:bodyPr/>
-                    <a:lstStyle/>
-                    <a:p>
-                      <a:pPr algn="l" fontAlgn="t"/>
-                      <a:r>
-                        <a:rPr lang="en-US">
-                          <a:effectLst/>
-                        </a:rPr>
-                        <a:t>x *= y</a:t>
-                      </a:r>
-                      <a:endParaRPr lang="en-US">
-                        <a:effectLst/>
-                      </a:endParaRPr>
-                    </a:p>
-                  </a:txBody>
-                  <a:tcPr marL="76200" marR="76200" marT="76200" marB="76200"/>
-                </a:tc>
-                <a:tc>
-                  <a:txBody>
-                    <a:bodyPr/>
-                    <a:lstStyle/>
-                    <a:p>
-                      <a:pPr algn="l" fontAlgn="t"/>
-                      <a:r>
-                        <a:rPr lang="en-US">
-                          <a:effectLst/>
-                        </a:rPr>
-                        <a:t>x = x * y</a:t>
-                      </a:r>
-                      <a:endParaRPr lang="en-US">
-                        <a:effectLst/>
-                      </a:endParaRPr>
-                    </a:p>
-                  </a:txBody>
-                  <a:tcPr marL="76200" marR="76200" marT="76200" marB="76200"/>
-                </a:tc>
-              </a:tr>
-              <a:tr h="366395">
-                <a:tc>
-                  <a:txBody>
-                    <a:bodyPr/>
-                    <a:lstStyle/>
-                    <a:p>
-                      <a:pPr algn="l" fontAlgn="t"/>
-                      <a:r>
-                        <a:rPr lang="en-US">
-                          <a:effectLst/>
-                        </a:rPr>
-                        <a:t>/=</a:t>
-                      </a:r>
-                      <a:endParaRPr lang="en-US">
-                        <a:effectLst/>
-                      </a:endParaRPr>
-                    </a:p>
-                  </a:txBody>
-                  <a:tcPr marL="152400" marR="76200" marT="76200" marB="76200"/>
-                </a:tc>
-                <a:tc>
-                  <a:txBody>
-                    <a:bodyPr/>
-                    <a:lstStyle/>
-                    <a:p>
-                      <a:pPr algn="l" fontAlgn="t"/>
-                      <a:r>
-                        <a:rPr lang="en-US">
-                          <a:effectLst/>
-                        </a:rPr>
-                        <a:t>x /= y</a:t>
-                      </a:r>
-                      <a:endParaRPr lang="en-US">
-                        <a:effectLst/>
-                      </a:endParaRPr>
-                    </a:p>
-                  </a:txBody>
-                  <a:tcPr marL="76200" marR="76200" marT="76200" marB="76200"/>
-                </a:tc>
-                <a:tc>
-                  <a:txBody>
-                    <a:bodyPr/>
-                    <a:lstStyle/>
-                    <a:p>
-                      <a:pPr algn="l" fontAlgn="t"/>
-                      <a:r>
-                        <a:rPr lang="en-US">
-                          <a:effectLst/>
-                        </a:rPr>
-                        <a:t>x = x / y</a:t>
-                      </a:r>
-                      <a:endParaRPr lang="en-US">
-                        <a:effectLst/>
-                      </a:endParaRPr>
-                    </a:p>
-                  </a:txBody>
-                  <a:tcPr marL="76200" marR="76200" marT="76200" marB="76200"/>
-                </a:tc>
-              </a:tr>
-              <a:tr h="366395">
-                <a:tc>
-                  <a:txBody>
-                    <a:bodyPr/>
-                    <a:lstStyle/>
-                    <a:p>
-                      <a:pPr algn="l" fontAlgn="t"/>
-                      <a:r>
-                        <a:rPr lang="en-US">
-                          <a:effectLst/>
-                        </a:rPr>
-                        <a:t>%=</a:t>
-                      </a:r>
-                      <a:endParaRPr lang="en-US">
-                        <a:effectLst/>
-                      </a:endParaRPr>
-                    </a:p>
-                  </a:txBody>
-                  <a:tcPr marL="152400" marR="76200" marT="76200" marB="76200"/>
-                </a:tc>
-                <a:tc>
-                  <a:txBody>
-                    <a:bodyPr/>
-                    <a:lstStyle/>
-                    <a:p>
-                      <a:pPr algn="l" fontAlgn="t"/>
-                      <a:r>
-                        <a:rPr lang="en-US">
-                          <a:effectLst/>
-                        </a:rPr>
-                        <a:t>x %= y</a:t>
-                      </a:r>
-                      <a:endParaRPr lang="en-US">
-                        <a:effectLst/>
-                      </a:endParaRPr>
-                    </a:p>
-                  </a:txBody>
-                  <a:tcPr marL="76200" marR="76200" marT="76200" marB="76200"/>
-                </a:tc>
-                <a:tc>
-                  <a:txBody>
-                    <a:bodyPr/>
-                    <a:lstStyle/>
-                    <a:p>
-                      <a:pPr algn="l" fontAlgn="t"/>
-                      <a:r>
-                        <a:rPr lang="en-US">
-                          <a:effectLst/>
-                        </a:rPr>
-                        <a:t>x = x % y</a:t>
-                      </a:r>
-                      <a:endParaRPr lang="en-US">
-                        <a:effectLst/>
-                      </a:endParaRPr>
-                    </a:p>
-                  </a:txBody>
-                  <a:tcPr marL="76200" marR="76200" marT="76200" marB="76200"/>
-                </a:tc>
-              </a:tr>
-              <a:tr h="366395">
-                <a:tc>
-                  <a:txBody>
-                    <a:bodyPr/>
-                    <a:lstStyle/>
-                    <a:p>
-                      <a:pPr algn="l" fontAlgn="t"/>
-                      <a:r>
-                        <a:rPr lang="en-US">
-                          <a:effectLst/>
-                        </a:rPr>
-                        <a:t>**=</a:t>
-                      </a:r>
-                      <a:endParaRPr lang="en-US">
-                        <a:effectLst/>
-                      </a:endParaRPr>
-                    </a:p>
-                  </a:txBody>
-                  <a:tcPr marL="152400" marR="76200" marT="76200" marB="76200"/>
-                </a:tc>
-                <a:tc>
-                  <a:txBody>
-                    <a:bodyPr/>
-                    <a:lstStyle/>
-                    <a:p>
-                      <a:pPr algn="l" fontAlgn="t"/>
-                      <a:r>
-                        <a:rPr lang="en-US">
-                          <a:effectLst/>
-                        </a:rPr>
-                        <a:t>x **= y</a:t>
-                      </a:r>
-                      <a:endParaRPr lang="en-US">
-                        <a:effectLst/>
-                      </a:endParaRPr>
-                    </a:p>
-                  </a:txBody>
-                  <a:tcPr marL="76200" marR="76200" marT="76200" marB="76200"/>
-                </a:tc>
-                <a:tc>
-                  <a:txBody>
-                    <a:bodyPr/>
-                    <a:lstStyle/>
-                    <a:p>
-                      <a:pPr algn="l" fontAlgn="t"/>
-                      <a:r>
-                        <a:rPr lang="en-US" dirty="0">
-                          <a:effectLst/>
-                        </a:rPr>
-                        <a:t>x = x ** y</a:t>
-                      </a:r>
-                      <a:endParaRPr lang="en-US" dirty="0">
-                        <a:effectLst/>
-                      </a:endParaRPr>
-                    </a:p>
-                  </a:txBody>
-                  <a:tcPr marL="76200" marR="76200" marT="76200" marB="76200"/>
-                </a:tc>
-              </a:tr>
-            </a:tbl>
-          </a:graphicData>
-        </a:graphic>
-      </p:graphicFrame>
-    </p:spTree>
-  </p:cSld>
-  <p:clrMapOvr>
-    <a:masterClrMapping/>
-  </p:clrMapOvr>
-</p:sld>
-</file>
-
-<file path=ppt/slides/slide24.xml><?xml version="1.0" encoding="utf-8"?>
-<p:sld xmlns:a="http://schemas.openxmlformats.org/drawingml/2006/main" xmlns:r="http://schemas.openxmlformats.org/officeDocument/2006/relationships" xmlns:p="http://schemas.openxmlformats.org/presentationml/2006/main">
-  <p:cSld>
-    <p:spTree>
-      <p:nvGrpSpPr>
-        <p:cNvPr id="1" name=""/>
-        <p:cNvGrpSpPr/>
-        <p:nvPr/>
-      </p:nvGrpSpPr>
-      <p:grpSpPr/>
-      <p:sp>
-        <p:nvSpPr>
-          <p:cNvPr id="2" name="Title 1"/>
-          <p:cNvSpPr>
-            <a:spLocks noGrp="1"/>
-          </p:cNvSpPr>
-          <p:nvPr>
-            <p:ph type="title"/>
-          </p:nvPr>
-        </p:nvSpPr>
-        <p:spPr/>
-        <p:txBody>
-          <a:bodyPr/>
-          <a:p>
-            <a:r>
-              <a:rPr lang="en-US"/>
-              <a:t>Functions</a:t>
-            </a:r>
-            <a:endParaRPr lang="en-US"/>
-          </a:p>
-        </p:txBody>
-      </p:sp>
-      <p:sp>
-        <p:nvSpPr>
-          <p:cNvPr id="3" name="Content Placeholder 2"/>
-          <p:cNvSpPr>
-            <a:spLocks noGrp="1"/>
-          </p:cNvSpPr>
-          <p:nvPr>
-            <p:ph idx="1"/>
-          </p:nvPr>
-        </p:nvSpPr>
-        <p:spPr/>
-        <p:txBody>
-          <a:bodyPr>
-            <a:normAutofit fontScale="90000"/>
-          </a:bodyPr>
-          <a:p>
-            <a:r>
-              <a:rPr lang="en-US"/>
-              <a:t>A JavaScript function is a block of code designed to perform a particular task.</a:t>
-            </a:r>
-            <a:endParaRPr lang="en-US"/>
-          </a:p>
-          <a:p>
-            <a:r>
-              <a:rPr lang="en-US"/>
-              <a:t>A JavaScript function is executed when "something" invokes it (calls it).</a:t>
-            </a:r>
-            <a:endParaRPr lang="en-US"/>
-          </a:p>
-          <a:p>
-            <a:pPr marL="0" indent="0">
-              <a:buNone/>
-            </a:pPr>
-            <a:r>
-              <a:rPr lang="en-US"/>
-              <a:t>function name(parameter1, parameter2, parameter3) {</a:t>
-            </a:r>
-            <a:endParaRPr lang="en-US"/>
-          </a:p>
-          <a:p>
-            <a:pPr marL="0" indent="0">
-              <a:buNone/>
-            </a:pPr>
-            <a:r>
-              <a:rPr lang="en-US"/>
-              <a:t>// code to be executed</a:t>
-            </a:r>
-            <a:endParaRPr lang="en-US"/>
-          </a:p>
-          <a:p>
-            <a:pPr marL="0" indent="0">
-              <a:buNone/>
-            </a:pPr>
-            <a:r>
-              <a:rPr lang="en-US"/>
-              <a:t>}</a:t>
-            </a:r>
-            <a:endParaRPr lang="en-US"/>
-          </a:p>
-          <a:p>
-            <a:pPr marL="0" indent="0">
-              <a:buNone/>
-            </a:pPr>
-            <a:r>
-              <a:rPr lang="en-US"/>
-              <a:t>name(argument1,</a:t>
-            </a:r>
-            <a:r>
-              <a:rPr lang="en-US">
-                <a:sym typeface="+mn-ea"/>
-              </a:rPr>
-              <a:t>argument2,argument3</a:t>
-            </a:r>
-            <a:r>
-              <a:rPr lang="en-US"/>
-              <a:t>)</a:t>
-            </a:r>
-            <a:endParaRPr lang="en-US"/>
           </a:p>
         </p:txBody>
       </p:sp>
@@ -9932,7 +9490,6 @@
               <a:rPr lang="en-US" dirty="0"/>
               <a:t>Introduction</a:t>
             </a:r>
-            <a:endParaRPr lang="en-US" dirty="0"/>
           </a:p>
         </p:txBody>
       </p:sp>
@@ -9957,7 +9514,6 @@
               <a:rPr lang="en-US" dirty="0"/>
               <a:t>JavaScript is a high-level, interpreted programming language primarily used for web development.</a:t>
             </a:r>
-            <a:endParaRPr lang="en-US" dirty="0"/>
           </a:p>
           <a:p>
             <a:r>
@@ -9972,35 +9528,30 @@
               <a:rPr lang="en-US" dirty="0"/>
               <a:t> while he was working at Netscape and was first released in 1995.</a:t>
             </a:r>
-            <a:endParaRPr lang="en-US" dirty="0"/>
           </a:p>
           <a:p>
             <a:r>
               <a:rPr lang="en-US" dirty="0"/>
               <a:t>JavaScript is a versatile language that allows developers to add interactivity and dynamic content to websites.</a:t>
             </a:r>
-            <a:endParaRPr lang="en-US" dirty="0"/>
           </a:p>
           <a:p>
             <a:r>
               <a:rPr lang="en-US" dirty="0"/>
               <a:t>It is commonly used for client-side scripting, where code is executed on the user's web browser.</a:t>
             </a:r>
-            <a:endParaRPr lang="en-US" dirty="0"/>
           </a:p>
           <a:p>
             <a:r>
               <a:rPr lang="en-US" dirty="0"/>
               <a:t>JavaScript can also be used on the server-side (with platforms like Node.js) for building server applications.</a:t>
             </a:r>
-            <a:endParaRPr lang="en-US" dirty="0"/>
           </a:p>
           <a:p>
             <a:r>
               <a:rPr lang="en-US" dirty="0"/>
               <a:t>The language is supported by all major web browsers, making it a core component of web development.</a:t>
             </a:r>
-            <a:endParaRPr lang="en-US" dirty="0"/>
           </a:p>
           <a:p>
             <a:r>
@@ -10019,7 +9570,6 @@
               <a:rPr lang="en-US" dirty="0"/>
               <a:t> language.</a:t>
             </a:r>
-            <a:endParaRPr lang="en-US" dirty="0"/>
           </a:p>
         </p:txBody>
       </p:sp>
@@ -10100,42 +9650,36 @@
               <a:rPr lang="en-US" dirty="0"/>
               <a:t> International.</a:t>
             </a:r>
-            <a:endParaRPr lang="en-US" dirty="0"/>
           </a:p>
           <a:p>
             <a:r>
               <a:rPr lang="en-US" dirty="0"/>
               <a:t>It serves as the foundation for JavaScript and other scripting languages like ActionScript (used in Adobe Flash).</a:t>
             </a:r>
-            <a:endParaRPr lang="en-US" dirty="0"/>
           </a:p>
           <a:p>
             <a:r>
               <a:rPr lang="en-US" dirty="0"/>
               <a:t>ECMAScript defines the syntax, semantics, and behavior of the scripting language.</a:t>
             </a:r>
-            <a:endParaRPr lang="en-US" dirty="0"/>
           </a:p>
           <a:p>
             <a:r>
               <a:rPr lang="en-US" dirty="0"/>
               <a:t>JavaScript is the most widely used implementation of ECMAScript, but other implementations exist (e.g., JScript by Microsoft).</a:t>
             </a:r>
-            <a:endParaRPr lang="en-US" dirty="0"/>
           </a:p>
           <a:p>
             <a:r>
               <a:rPr lang="en-US" dirty="0"/>
               <a:t>ECMAScript versions are released over time, each introducing new features and improvements.</a:t>
             </a:r>
-            <a:endParaRPr lang="en-US" dirty="0"/>
           </a:p>
           <a:p>
             <a:r>
               <a:rPr lang="en-US" dirty="0"/>
               <a:t>Popular versions include ES5, ES6 (also known as ES2015), ES2016, ES2017, and so on.</a:t>
             </a:r>
-            <a:endParaRPr lang="en-US" dirty="0"/>
           </a:p>
         </p:txBody>
       </p:sp>
@@ -10183,7 +9727,6 @@
               <a:rPr lang="en-US" dirty="0"/>
               <a:t>Variables</a:t>
             </a:r>
-            <a:endParaRPr lang="en-US" dirty="0"/>
           </a:p>
         </p:txBody>
       </p:sp>
@@ -10196,7 +9739,7 @@
           <p:nvPr/>
         </p:nvPicPr>
         <p:blipFill>
-          <a:blip r:embed="rId1">
+          <a:blip r:embed="rId2">
             <a:extLst>
               <a:ext uri="{28A0092B-C50C-407E-A947-70E740481C1C}">
                 <a14:useLocalDpi xmlns:a14="http://schemas.microsoft.com/office/drawing/2010/main" val="0"/>
@@ -10313,7 +9856,6 @@
               <a:rPr lang="en-US" dirty="0"/>
               <a:t>. We cannot declare a variable without var in older browsers. The variable declared using var can store variable values during the program's execution and can be redeclared anytime.</a:t>
             </a:r>
-            <a:endParaRPr lang="en-US" dirty="0"/>
           </a:p>
           <a:p>
             <a:r>
@@ -10324,7 +9866,6 @@
               <a:rPr lang="en-US" dirty="0"/>
               <a:t> - It is a keyword used to declare constant variables whose value cannot be changed throughout the program.</a:t>
             </a:r>
-            <a:endParaRPr lang="en-US" dirty="0"/>
           </a:p>
           <a:p>
             <a:r>
@@ -10335,7 +9876,6 @@
               <a:rPr lang="en-US" dirty="0"/>
               <a:t> - It is a newer keyword for declaring variables whose values can be changed. In this, a variable cannot be declared multiple times; however, they are declared once in a program.</a:t>
             </a:r>
-            <a:endParaRPr lang="en-US" dirty="0"/>
           </a:p>
         </p:txBody>
       </p:sp>
@@ -10383,7 +9923,6 @@
               <a:rPr lang="en-US" dirty="0"/>
               <a:t>Rules for  Variables</a:t>
             </a:r>
-            <a:endParaRPr lang="en-US" dirty="0"/>
           </a:p>
         </p:txBody>
       </p:sp>
@@ -10408,42 +9947,36 @@
               <a:rPr lang="en-US" dirty="0"/>
               <a:t>Variable names should be short and easy to remember.</a:t>
             </a:r>
-            <a:endParaRPr lang="en-US" dirty="0"/>
           </a:p>
           <a:p>
             <a:r>
               <a:rPr lang="en-US" dirty="0"/>
               <a:t>They should be descriptive enough to tell you what the variable represents.</a:t>
             </a:r>
-            <a:endParaRPr lang="en-US" dirty="0"/>
           </a:p>
           <a:p>
             <a:r>
               <a:rPr lang="en-US" dirty="0"/>
               <a:t>They should not be too generic or too specific to avoid confusion.</a:t>
             </a:r>
-            <a:endParaRPr lang="en-US" dirty="0"/>
           </a:p>
           <a:p>
             <a:r>
               <a:rPr lang="en-US" dirty="0"/>
               <a:t>They should not include any special characters like $, %, or @, except underscore.</a:t>
             </a:r>
-            <a:endParaRPr lang="en-US" dirty="0"/>
           </a:p>
           <a:p>
             <a:r>
               <a:rPr lang="en-US" dirty="0"/>
               <a:t>They should not contain spaces.</a:t>
             </a:r>
-            <a:endParaRPr lang="en-US" dirty="0"/>
           </a:p>
           <a:p>
             <a:r>
               <a:rPr lang="en-US" dirty="0"/>
               <a:t>They should not start with a number.</a:t>
             </a:r>
-            <a:endParaRPr lang="en-US" dirty="0"/>
           </a:p>
         </p:txBody>
       </p:sp>
@@ -10491,7 +10024,6 @@
               <a:rPr lang="en-US" dirty="0"/>
               <a:t>Rules for  Variables</a:t>
             </a:r>
-            <a:endParaRPr lang="en-US" dirty="0"/>
           </a:p>
         </p:txBody>
       </p:sp>
@@ -10516,7 +10048,6 @@
               <a:rPr lang="en-US" dirty="0"/>
               <a:t>Start a variable name with a letter or underscore(_).</a:t>
             </a:r>
-            <a:endParaRPr lang="en-US" dirty="0"/>
           </a:p>
           <a:p>
             <a:r>
@@ -10527,28 +10058,24 @@
               <a:rPr lang="en-US" dirty="0"/>
               <a:t> variables are case-sensitive, i.e., x is not equal to X.</a:t>
             </a:r>
-            <a:endParaRPr lang="en-US" dirty="0"/>
           </a:p>
           <a:p>
             <a:r>
               <a:rPr lang="en-US" dirty="0"/>
               <a:t>They should be unique and not used by other variables in the code.</a:t>
             </a:r>
-            <a:endParaRPr lang="en-US" dirty="0"/>
           </a:p>
           <a:p>
             <a:r>
               <a:rPr lang="en-US" dirty="0"/>
               <a:t>They could either be camel-cased or lowercase.</a:t>
             </a:r>
-            <a:endParaRPr lang="en-US" dirty="0"/>
           </a:p>
           <a:p>
             <a:r>
               <a:rPr lang="en-US" dirty="0"/>
               <a:t>They should not start with a capital letter.</a:t>
             </a:r>
-            <a:endParaRPr lang="en-US" dirty="0"/>
           </a:p>
         </p:txBody>
       </p:sp>
@@ -10596,7 +10123,6 @@
               <a:rPr lang="en-US" dirty="0"/>
               <a:t>Datatypes</a:t>
             </a:r>
-            <a:endParaRPr lang="en-US" dirty="0"/>
           </a:p>
         </p:txBody>
       </p:sp>
@@ -10611,7 +10137,7 @@
           </p:nvPr>
         </p:nvPicPr>
         <p:blipFill>
-          <a:blip r:embed="rId1">
+          <a:blip r:embed="rId2">
             <a:extLst>
               <a:ext uri="{28A0092B-C50C-407E-A947-70E740481C1C}">
                 <a14:useLocalDpi xmlns:a14="http://schemas.microsoft.com/office/drawing/2010/main" val="0"/>
@@ -10876,6 +10402,8 @@
       </a:bgFillStyleLst>
     </a:fmtScheme>
   </a:themeElements>
+  <a:objectDefaults/>
+  <a:extraClrSchemeLst/>
   <a:extLst>
     <a:ext uri="{05A4C25C-085E-4340-85A3-A5531E510DB2}">
       <thm15:themeFamily xmlns:thm15="http://schemas.microsoft.com/office/thememl/2012/main" name="Office Theme" id="{62F939B6-93AF-4DB8-9C6B-D6C7DFDC589F}" vid="{4A3C46E8-61CC-4603-A589-7422A47A8E4A}"/>
@@ -11135,6 +10663,8 @@
       </a:bgFillStyleLst>
     </a:fmtScheme>
   </a:themeElements>
+  <a:objectDefaults/>
+  <a:extraClrSchemeLst/>
   <a:extLst>
     <a:ext uri="{05A4C25C-085E-4340-85A3-A5531E510DB2}">
       <thm15:themeFamily xmlns:thm15="http://schemas.microsoft.com/office/thememl/2012/main" name="Office Theme" id="{62F939B6-93AF-4DB8-9C6B-D6C7DFDC589F}" vid="{4A3C46E8-61CC-4603-A589-7422A47A8E4A}"/>
@@ -11394,6 +10924,8 @@
       </a:bgFillStyleLst>
     </a:fmtScheme>
   </a:themeElements>
+  <a:objectDefaults/>
+  <a:extraClrSchemeLst/>
   <a:extLst>
     <a:ext uri="{05A4C25C-085E-4340-85A3-A5531E510DB2}">
       <thm15:themeFamily xmlns:thm15="http://schemas.microsoft.com/office/thememl/2012/main" name="Office Theme" id="{62F939B6-93AF-4DB8-9C6B-D6C7DFDC589F}" vid="{4A3C46E8-61CC-4603-A589-7422A47A8E4A}"/>
